--- a/studio/piechart/piechart.pptx
+++ b/studio/piechart/piechart.pptx
@@ -16,8 +16,23 @@
     <p:sldId id="294" r:id="rId10"/>
     <p:sldId id="295" r:id="rId11"/>
     <p:sldId id="296" r:id="rId12"/>
-    <p:sldId id="257" r:id="rId13"/>
-    <p:sldId id="285" r:id="rId14"/>
+    <p:sldId id="297" r:id="rId13"/>
+    <p:sldId id="298" r:id="rId14"/>
+    <p:sldId id="299" r:id="rId15"/>
+    <p:sldId id="257" r:id="rId16"/>
+    <p:sldId id="285" r:id="rId17"/>
+    <p:sldId id="300" r:id="rId18"/>
+    <p:sldId id="301" r:id="rId19"/>
+    <p:sldId id="302" r:id="rId20"/>
+    <p:sldId id="303" r:id="rId21"/>
+    <p:sldId id="304" r:id="rId22"/>
+    <p:sldId id="305" r:id="rId23"/>
+    <p:sldId id="306" r:id="rId24"/>
+    <p:sldId id="307" r:id="rId25"/>
+    <p:sldId id="308" r:id="rId26"/>
+    <p:sldId id="309" r:id="rId27"/>
+    <p:sldId id="310" r:id="rId28"/>
+    <p:sldId id="311" r:id="rId29"/>
   </p:sldIdLst>
   <p:sldSz cx="12192000" cy="6858000"/>
   <p:notesSz cx="6858000" cy="9144000"/>
@@ -3624,43 +3639,82 @@
           <a:chExt cx="0" cy="0"/>
         </a:xfrm>
       </p:grpSpPr>
-      <p:sp>
-        <p:nvSpPr>
-          <p:cNvPr id="3" name="Content Placeholder 2">
-            <a:extLst>
-              <a:ext uri="{FF2B5EF4-FFF2-40B4-BE49-F238E27FC236}">
-                <a16:creationId xmlns:a16="http://schemas.microsoft.com/office/drawing/2014/main" id="{DF29066B-C717-4540-86A8-05F8399E44F1}"/>
-              </a:ext>
-            </a:extLst>
-          </p:cNvPr>
-          <p:cNvSpPr>
-            <a:spLocks noGrp="1"/>
-          </p:cNvSpPr>
-          <p:nvPr>
-            <p:ph idx="1"/>
-          </p:nvPr>
-        </p:nvSpPr>
-        <p:spPr/>
-        <p:txBody>
-          <a:bodyPr>
-            <a:normAutofit/>
+      <p:pic>
+        <p:nvPicPr>
+          <p:cNvPr id="4" name="Picture 3">
+            <a:extLst>
+              <a:ext uri="{FF2B5EF4-FFF2-40B4-BE49-F238E27FC236}">
+                <a16:creationId xmlns:a16="http://schemas.microsoft.com/office/drawing/2014/main" id="{1563ED58-8084-46CF-BEB9-7E400EA4288A}"/>
+              </a:ext>
+            </a:extLst>
+          </p:cNvPr>
+          <p:cNvPicPr>
+            <a:picLocks noChangeAspect="1"/>
+          </p:cNvPicPr>
+          <p:nvPr/>
+        </p:nvPicPr>
+        <p:blipFill>
+          <a:blip r:embed="rId2"/>
+          <a:stretch>
+            <a:fillRect/>
+          </a:stretch>
+        </p:blipFill>
+        <p:spPr>
+          <a:xfrm>
+            <a:off x="727787" y="1035086"/>
+            <a:ext cx="10201336" cy="4787827"/>
+          </a:xfrm>
+          <a:prstGeom prst="rect">
+            <a:avLst/>
+          </a:prstGeom>
+          <a:ln>
+            <a:solidFill>
+              <a:schemeClr val="bg1">
+                <a:lumMod val="65000"/>
+              </a:schemeClr>
+            </a:solidFill>
+          </a:ln>
+        </p:spPr>
+      </p:pic>
+      <p:sp>
+        <p:nvSpPr>
+          <p:cNvPr id="5" name="Rectangle 4">
+            <a:extLst>
+              <a:ext uri="{FF2B5EF4-FFF2-40B4-BE49-F238E27FC236}">
+                <a16:creationId xmlns:a16="http://schemas.microsoft.com/office/drawing/2014/main" id="{5949D8FD-53FF-4D38-B3C3-B25197BDE739}"/>
+              </a:ext>
+            </a:extLst>
+          </p:cNvPr>
+          <p:cNvSpPr/>
+          <p:nvPr/>
+        </p:nvSpPr>
+        <p:spPr>
+          <a:xfrm>
+            <a:off x="997893" y="263850"/>
+            <a:ext cx="2770374" cy="461665"/>
+          </a:xfrm>
+          <a:prstGeom prst="rect">
+            <a:avLst/>
+          </a:prstGeom>
+        </p:spPr>
+        <p:txBody>
+          <a:bodyPr wrap="none">
+            <a:spAutoFit/>
           </a:bodyPr>
           <a:lstStyle/>
           <a:p>
-            <a:pPr marL="0" indent="0" algn="ctr">
-              <a:buNone/>
-            </a:pPr>
-            <a:r>
-              <a:rPr lang="ko-KR" altLang="en-US" sz="9600" dirty="0"/>
-              <a:t>영문</a:t>
-            </a:r>
+            <a:r>
+              <a:rPr lang="en-US" altLang="ko-KR" sz="2400" dirty="0"/>
+              <a:t>011.view_error.png</a:t>
+            </a:r>
+            <a:endParaRPr lang="ko-KR" altLang="en-US" sz="2400" dirty="0"/>
           </a:p>
         </p:txBody>
       </p:sp>
     </p:spTree>
     <p:extLst>
       <p:ext uri="{BB962C8B-B14F-4D97-AF65-F5344CB8AC3E}">
-        <p14:creationId xmlns:p14="http://schemas.microsoft.com/office/powerpoint/2010/main" val="2035379788"/>
+        <p14:creationId xmlns:p14="http://schemas.microsoft.com/office/powerpoint/2010/main" val="2570376313"/>
       </p:ext>
     </p:extLst>
   </p:cSld>
@@ -3692,7 +3746,7 @@
           <p:cNvPr id="5" name="Rectangle 4">
             <a:extLst>
               <a:ext uri="{FF2B5EF4-FFF2-40B4-BE49-F238E27FC236}">
-                <a16:creationId xmlns:a16="http://schemas.microsoft.com/office/drawing/2014/main" id="{9E5F187C-6464-45BC-8575-50BD343C21E0}"/>
+                <a16:creationId xmlns:a16="http://schemas.microsoft.com/office/drawing/2014/main" id="{D2343CD1-2699-4283-8C49-5AF147FAD70B}"/>
               </a:ext>
             </a:extLst>
           </p:cNvPr>
@@ -3701,8 +3755,8 @@
         </p:nvSpPr>
         <p:spPr>
           <a:xfrm>
-            <a:off x="880448" y="848075"/>
-            <a:ext cx="2721707" cy="461665"/>
+            <a:off x="997893" y="263850"/>
+            <a:ext cx="3199530" cy="461665"/>
           </a:xfrm>
           <a:prstGeom prst="rect">
             <a:avLst/>
@@ -3716,187 +3770,18 @@
           <a:p>
             <a:r>
               <a:rPr lang="en-US" altLang="ko-KR" sz="2400" dirty="0"/>
-              <a:t>001.data_view.png</a:t>
+              <a:t>012.autoplay_chk.png</a:t>
             </a:r>
             <a:endParaRPr lang="ko-KR" altLang="en-US" sz="2400" dirty="0"/>
           </a:p>
         </p:txBody>
       </p:sp>
-      <p:pic>
-        <p:nvPicPr>
-          <p:cNvPr id="2" name="Picture 1">
-            <a:extLst>
-              <a:ext uri="{FF2B5EF4-FFF2-40B4-BE49-F238E27FC236}">
-                <a16:creationId xmlns:a16="http://schemas.microsoft.com/office/drawing/2014/main" id="{123D0BCD-8A4F-44E4-A63E-67665F78D73C}"/>
-              </a:ext>
-            </a:extLst>
-          </p:cNvPr>
-          <p:cNvPicPr>
-            <a:picLocks noChangeAspect="1"/>
-          </p:cNvPicPr>
-          <p:nvPr/>
-        </p:nvPicPr>
-        <p:blipFill>
-          <a:blip r:embed="rId2"/>
-          <a:stretch>
-            <a:fillRect/>
-          </a:stretch>
-        </p:blipFill>
-        <p:spPr>
-          <a:xfrm>
-            <a:off x="142613" y="1597185"/>
-            <a:ext cx="12192000" cy="4083080"/>
-          </a:xfrm>
-          <a:prstGeom prst="rect">
-            <a:avLst/>
-          </a:prstGeom>
-          <a:ln>
-            <a:solidFill>
-              <a:schemeClr val="bg1">
-                <a:lumMod val="65000"/>
-              </a:schemeClr>
-            </a:solidFill>
-          </a:ln>
-        </p:spPr>
-      </p:pic>
-    </p:spTree>
-    <p:extLst>
-      <p:ext uri="{BB962C8B-B14F-4D97-AF65-F5344CB8AC3E}">
-        <p14:creationId xmlns:p14="http://schemas.microsoft.com/office/powerpoint/2010/main" val="1215592350"/>
-      </p:ext>
-    </p:extLst>
-  </p:cSld>
-  <p:clrMapOvr>
-    <a:masterClrMapping/>
-  </p:clrMapOvr>
-</p:sld>
-</file>
-
-<file path=ppt/slides/slide2.xml><?xml version="1.0" encoding="utf-8"?>
-<p:sld xmlns:a="http://schemas.openxmlformats.org/drawingml/2006/main" xmlns:r="http://schemas.openxmlformats.org/officeDocument/2006/relationships" xmlns:p="http://schemas.openxmlformats.org/presentationml/2006/main">
-  <p:cSld>
-    <p:spTree>
-      <p:nvGrpSpPr>
-        <p:cNvPr id="1" name=""/>
-        <p:cNvGrpSpPr/>
-        <p:nvPr/>
-      </p:nvGrpSpPr>
-      <p:grpSpPr>
-        <a:xfrm>
-          <a:off x="0" y="0"/>
-          <a:ext cx="0" cy="0"/>
-          <a:chOff x="0" y="0"/>
-          <a:chExt cx="0" cy="0"/>
-        </a:xfrm>
-      </p:grpSpPr>
-      <p:sp>
-        <p:nvSpPr>
-          <p:cNvPr id="5" name="Rectangle 4">
-            <a:extLst>
-              <a:ext uri="{FF2B5EF4-FFF2-40B4-BE49-F238E27FC236}">
-                <a16:creationId xmlns:a16="http://schemas.microsoft.com/office/drawing/2014/main" id="{9E5F187C-6464-45BC-8575-50BD343C21E0}"/>
-              </a:ext>
-            </a:extLst>
-          </p:cNvPr>
-          <p:cNvSpPr/>
-          <p:nvPr/>
-        </p:nvSpPr>
-        <p:spPr>
-          <a:xfrm>
-            <a:off x="880448" y="848075"/>
-            <a:ext cx="2721707" cy="461665"/>
-          </a:xfrm>
-          <a:prstGeom prst="rect">
-            <a:avLst/>
-          </a:prstGeom>
-        </p:spPr>
-        <p:txBody>
-          <a:bodyPr wrap="none">
-            <a:spAutoFit/>
-          </a:bodyPr>
-          <a:lstStyle/>
-          <a:p>
-            <a:r>
-              <a:rPr lang="en-US" altLang="ko-KR" sz="2400" dirty="0"/>
-              <a:t>001.data_view.png</a:t>
-            </a:r>
-            <a:endParaRPr lang="ko-KR" altLang="en-US" sz="2400" dirty="0"/>
-          </a:p>
-        </p:txBody>
-      </p:sp>
-      <p:pic>
-        <p:nvPicPr>
-          <p:cNvPr id="2" name="Picture 1">
-            <a:extLst>
-              <a:ext uri="{FF2B5EF4-FFF2-40B4-BE49-F238E27FC236}">
-                <a16:creationId xmlns:a16="http://schemas.microsoft.com/office/drawing/2014/main" id="{3B9C68E8-A4BB-4BC8-9726-36310024824D}"/>
-              </a:ext>
-            </a:extLst>
-          </p:cNvPr>
-          <p:cNvPicPr>
-            <a:picLocks noChangeAspect="1"/>
-          </p:cNvPicPr>
-          <p:nvPr/>
-        </p:nvPicPr>
-        <p:blipFill>
-          <a:blip r:embed="rId2"/>
-          <a:stretch>
-            <a:fillRect/>
-          </a:stretch>
-        </p:blipFill>
-        <p:spPr>
-          <a:xfrm>
-            <a:off x="83890" y="1645405"/>
-            <a:ext cx="12192000" cy="4087308"/>
-          </a:xfrm>
-          <a:prstGeom prst="rect">
-            <a:avLst/>
-          </a:prstGeom>
-          <a:ln>
-            <a:solidFill>
-              <a:schemeClr val="bg1">
-                <a:lumMod val="65000"/>
-              </a:schemeClr>
-            </a:solidFill>
-          </a:ln>
-        </p:spPr>
-      </p:pic>
-    </p:spTree>
-    <p:extLst>
-      <p:ext uri="{BB962C8B-B14F-4D97-AF65-F5344CB8AC3E}">
-        <p14:creationId xmlns:p14="http://schemas.microsoft.com/office/powerpoint/2010/main" val="1097970920"/>
-      </p:ext>
-    </p:extLst>
-  </p:cSld>
-  <p:clrMapOvr>
-    <a:masterClrMapping/>
-  </p:clrMapOvr>
-</p:sld>
-</file>
-
-<file path=ppt/slides/slide3.xml><?xml version="1.0" encoding="utf-8"?>
-<p:sld xmlns:a="http://schemas.openxmlformats.org/drawingml/2006/main" xmlns:r="http://schemas.openxmlformats.org/officeDocument/2006/relationships" xmlns:p="http://schemas.openxmlformats.org/presentationml/2006/main">
-  <p:cSld>
-    <p:spTree>
-      <p:nvGrpSpPr>
-        <p:cNvPr id="1" name=""/>
-        <p:cNvGrpSpPr/>
-        <p:nvPr/>
-      </p:nvGrpSpPr>
-      <p:grpSpPr>
-        <a:xfrm>
-          <a:off x="0" y="0"/>
-          <a:ext cx="0" cy="0"/>
-          <a:chOff x="0" y="0"/>
-          <a:chExt cx="0" cy="0"/>
-        </a:xfrm>
-      </p:grpSpPr>
       <p:grpSp>
         <p:nvGrpSpPr>
-          <p:cNvPr id="9" name="Group 8">
-            <a:extLst>
-              <a:ext uri="{FF2B5EF4-FFF2-40B4-BE49-F238E27FC236}">
-                <a16:creationId xmlns:a16="http://schemas.microsoft.com/office/drawing/2014/main" id="{C1B466B5-139C-4BA0-8FE5-91AE073DE740}"/>
+          <p:cNvPr id="7" name="Group 6">
+            <a:extLst>
+              <a:ext uri="{FF2B5EF4-FFF2-40B4-BE49-F238E27FC236}">
+                <a16:creationId xmlns:a16="http://schemas.microsoft.com/office/drawing/2014/main" id="{054EB00D-16E4-4709-A9AC-2740370349AB}"/>
               </a:ext>
             </a:extLst>
           </p:cNvPr>
@@ -3905,10 +3790,10 @@
         </p:nvGrpSpPr>
         <p:grpSpPr>
           <a:xfrm>
-            <a:off x="0" y="550634"/>
-            <a:ext cx="12192000" cy="5974845"/>
-            <a:chOff x="0" y="550634"/>
-            <a:chExt cx="12192000" cy="5974845"/>
+            <a:off x="3788504" y="2360715"/>
+            <a:ext cx="2400300" cy="1314450"/>
+            <a:chOff x="3788504" y="2360715"/>
+            <a:chExt cx="2400300" cy="1314450"/>
           </a:xfrm>
         </p:grpSpPr>
         <p:pic>
@@ -3916,7 +3801,7 @@
             <p:cNvPr id="4" name="Picture 3">
               <a:extLst>
                 <a:ext uri="{FF2B5EF4-FFF2-40B4-BE49-F238E27FC236}">
-                  <a16:creationId xmlns:a16="http://schemas.microsoft.com/office/drawing/2014/main" id="{4D7C0A8E-A801-4442-A134-79FA7C554EF5}"/>
+                  <a16:creationId xmlns:a16="http://schemas.microsoft.com/office/drawing/2014/main" id="{5F4A0CF1-E3C7-4F07-90AC-67C82B25D5FA}"/>
                 </a:ext>
               </a:extLst>
             </p:cNvPr>
@@ -3933,20 +3818,27 @@
           </p:blipFill>
           <p:spPr>
             <a:xfrm>
-              <a:off x="0" y="550634"/>
-              <a:ext cx="12192000" cy="5974845"/>
+              <a:off x="3788504" y="2360715"/>
+              <a:ext cx="2400300" cy="1314450"/>
             </a:xfrm>
             <a:prstGeom prst="rect">
               <a:avLst/>
             </a:prstGeom>
+            <a:ln>
+              <a:solidFill>
+                <a:schemeClr val="bg1">
+                  <a:lumMod val="65000"/>
+                </a:schemeClr>
+              </a:solidFill>
+            </a:ln>
           </p:spPr>
         </p:pic>
         <p:sp>
           <p:nvSpPr>
-            <p:cNvPr id="5" name="직사각형 6">
+            <p:cNvPr id="6" name="직사각형 6">
               <a:extLst>
                 <a:ext uri="{FF2B5EF4-FFF2-40B4-BE49-F238E27FC236}">
-                  <a16:creationId xmlns:a16="http://schemas.microsoft.com/office/drawing/2014/main" id="{370984B1-A95A-48FB-9FDE-6D8A79F67437}"/>
+                  <a16:creationId xmlns:a16="http://schemas.microsoft.com/office/drawing/2014/main" id="{8D1B7FD4-06FC-4B94-9E72-2FAE26F0616C}"/>
                 </a:ext>
               </a:extLst>
             </p:cNvPr>
@@ -3955,8 +3847,8 @@
           </p:nvSpPr>
           <p:spPr>
             <a:xfrm>
-              <a:off x="940407" y="954426"/>
-              <a:ext cx="242441" cy="220033"/>
+              <a:off x="5382932" y="2718034"/>
+              <a:ext cx="805872" cy="260057"/>
             </a:xfrm>
             <a:prstGeom prst="rect">
               <a:avLst/>
@@ -3994,6 +3886,1957 @@
           </p:txBody>
         </p:sp>
       </p:grpSp>
+    </p:spTree>
+    <p:extLst>
+      <p:ext uri="{BB962C8B-B14F-4D97-AF65-F5344CB8AC3E}">
+        <p14:creationId xmlns:p14="http://schemas.microsoft.com/office/powerpoint/2010/main" val="4271303182"/>
+      </p:ext>
+    </p:extLst>
+  </p:cSld>
+  <p:clrMapOvr>
+    <a:masterClrMapping/>
+  </p:clrMapOvr>
+</p:sld>
+</file>
+
+<file path=ppt/slides/slide14.xml><?xml version="1.0" encoding="utf-8"?>
+<p:sld xmlns:a="http://schemas.openxmlformats.org/drawingml/2006/main" xmlns:r="http://schemas.openxmlformats.org/officeDocument/2006/relationships" xmlns:p="http://schemas.openxmlformats.org/presentationml/2006/main">
+  <p:cSld>
+    <p:spTree>
+      <p:nvGrpSpPr>
+        <p:cNvPr id="1" name=""/>
+        <p:cNvGrpSpPr/>
+        <p:nvPr/>
+      </p:nvGrpSpPr>
+      <p:grpSpPr>
+        <a:xfrm>
+          <a:off x="0" y="0"/>
+          <a:ext cx="0" cy="0"/>
+          <a:chOff x="0" y="0"/>
+          <a:chExt cx="0" cy="0"/>
+        </a:xfrm>
+      </p:grpSpPr>
+      <p:pic>
+        <p:nvPicPr>
+          <p:cNvPr id="4" name="Picture 3">
+            <a:extLst>
+              <a:ext uri="{FF2B5EF4-FFF2-40B4-BE49-F238E27FC236}">
+                <a16:creationId xmlns:a16="http://schemas.microsoft.com/office/drawing/2014/main" id="{1A016662-5C24-48AC-897E-12A74A8496A8}"/>
+              </a:ext>
+            </a:extLst>
+          </p:cNvPr>
+          <p:cNvPicPr>
+            <a:picLocks noChangeAspect="1"/>
+          </p:cNvPicPr>
+          <p:nvPr/>
+        </p:nvPicPr>
+        <p:blipFill>
+          <a:blip r:embed="rId2"/>
+          <a:stretch>
+            <a:fillRect/>
+          </a:stretch>
+        </p:blipFill>
+        <p:spPr>
+          <a:xfrm>
+            <a:off x="997893" y="1339312"/>
+            <a:ext cx="9385008" cy="4557288"/>
+          </a:xfrm>
+          <a:prstGeom prst="rect">
+            <a:avLst/>
+          </a:prstGeom>
+        </p:spPr>
+      </p:pic>
+      <p:sp>
+        <p:nvSpPr>
+          <p:cNvPr id="5" name="Rectangle 4">
+            <a:extLst>
+              <a:ext uri="{FF2B5EF4-FFF2-40B4-BE49-F238E27FC236}">
+                <a16:creationId xmlns:a16="http://schemas.microsoft.com/office/drawing/2014/main" id="{657EB14E-48E3-4731-84B0-6138366F5341}"/>
+              </a:ext>
+            </a:extLst>
+          </p:cNvPr>
+          <p:cNvSpPr/>
+          <p:nvPr/>
+        </p:nvSpPr>
+        <p:spPr>
+          <a:xfrm>
+            <a:off x="997893" y="263850"/>
+            <a:ext cx="3011209" cy="461665"/>
+          </a:xfrm>
+          <a:prstGeom prst="rect">
+            <a:avLst/>
+          </a:prstGeom>
+        </p:spPr>
+        <p:txBody>
+          <a:bodyPr wrap="none">
+            <a:spAutoFit/>
+          </a:bodyPr>
+          <a:lstStyle/>
+          <a:p>
+            <a:r>
+              <a:rPr lang="en-US" altLang="ko-KR" sz="2400" dirty="0"/>
+              <a:t>013.good_result.png</a:t>
+            </a:r>
+            <a:endParaRPr lang="ko-KR" altLang="en-US" sz="2400" dirty="0"/>
+          </a:p>
+        </p:txBody>
+      </p:sp>
+    </p:spTree>
+    <p:extLst>
+      <p:ext uri="{BB962C8B-B14F-4D97-AF65-F5344CB8AC3E}">
+        <p14:creationId xmlns:p14="http://schemas.microsoft.com/office/powerpoint/2010/main" val="152393982"/>
+      </p:ext>
+    </p:extLst>
+  </p:cSld>
+  <p:clrMapOvr>
+    <a:masterClrMapping/>
+  </p:clrMapOvr>
+</p:sld>
+</file>
+
+<file path=ppt/slides/slide15.xml><?xml version="1.0" encoding="utf-8"?>
+<p:sld xmlns:a="http://schemas.openxmlformats.org/drawingml/2006/main" xmlns:r="http://schemas.openxmlformats.org/officeDocument/2006/relationships" xmlns:p="http://schemas.openxmlformats.org/presentationml/2006/main">
+  <p:cSld>
+    <p:spTree>
+      <p:nvGrpSpPr>
+        <p:cNvPr id="1" name=""/>
+        <p:cNvGrpSpPr/>
+        <p:nvPr/>
+      </p:nvGrpSpPr>
+      <p:grpSpPr>
+        <a:xfrm>
+          <a:off x="0" y="0"/>
+          <a:ext cx="0" cy="0"/>
+          <a:chOff x="0" y="0"/>
+          <a:chExt cx="0" cy="0"/>
+        </a:xfrm>
+      </p:grpSpPr>
+      <p:sp>
+        <p:nvSpPr>
+          <p:cNvPr id="3" name="Content Placeholder 2">
+            <a:extLst>
+              <a:ext uri="{FF2B5EF4-FFF2-40B4-BE49-F238E27FC236}">
+                <a16:creationId xmlns:a16="http://schemas.microsoft.com/office/drawing/2014/main" id="{DF29066B-C717-4540-86A8-05F8399E44F1}"/>
+              </a:ext>
+            </a:extLst>
+          </p:cNvPr>
+          <p:cNvSpPr>
+            <a:spLocks noGrp="1"/>
+          </p:cNvSpPr>
+          <p:nvPr>
+            <p:ph idx="1"/>
+          </p:nvPr>
+        </p:nvSpPr>
+        <p:spPr/>
+        <p:txBody>
+          <a:bodyPr>
+            <a:normAutofit/>
+          </a:bodyPr>
+          <a:lstStyle/>
+          <a:p>
+            <a:pPr marL="0" indent="0" algn="ctr">
+              <a:buNone/>
+            </a:pPr>
+            <a:r>
+              <a:rPr lang="ko-KR" altLang="en-US" sz="9600" dirty="0"/>
+              <a:t>영문</a:t>
+            </a:r>
+          </a:p>
+        </p:txBody>
+      </p:sp>
+    </p:spTree>
+    <p:extLst>
+      <p:ext uri="{BB962C8B-B14F-4D97-AF65-F5344CB8AC3E}">
+        <p14:creationId xmlns:p14="http://schemas.microsoft.com/office/powerpoint/2010/main" val="2035379788"/>
+      </p:ext>
+    </p:extLst>
+  </p:cSld>
+  <p:clrMapOvr>
+    <a:masterClrMapping/>
+  </p:clrMapOvr>
+</p:sld>
+</file>
+
+<file path=ppt/slides/slide16.xml><?xml version="1.0" encoding="utf-8"?>
+<p:sld xmlns:a="http://schemas.openxmlformats.org/drawingml/2006/main" xmlns:r="http://schemas.openxmlformats.org/officeDocument/2006/relationships" xmlns:p="http://schemas.openxmlformats.org/presentationml/2006/main">
+  <p:cSld>
+    <p:spTree>
+      <p:nvGrpSpPr>
+        <p:cNvPr id="1" name=""/>
+        <p:cNvGrpSpPr/>
+        <p:nvPr/>
+      </p:nvGrpSpPr>
+      <p:grpSpPr>
+        <a:xfrm>
+          <a:off x="0" y="0"/>
+          <a:ext cx="0" cy="0"/>
+          <a:chOff x="0" y="0"/>
+          <a:chExt cx="0" cy="0"/>
+        </a:xfrm>
+      </p:grpSpPr>
+      <p:sp>
+        <p:nvSpPr>
+          <p:cNvPr id="5" name="Rectangle 4">
+            <a:extLst>
+              <a:ext uri="{FF2B5EF4-FFF2-40B4-BE49-F238E27FC236}">
+                <a16:creationId xmlns:a16="http://schemas.microsoft.com/office/drawing/2014/main" id="{9E5F187C-6464-45BC-8575-50BD343C21E0}"/>
+              </a:ext>
+            </a:extLst>
+          </p:cNvPr>
+          <p:cNvSpPr/>
+          <p:nvPr/>
+        </p:nvSpPr>
+        <p:spPr>
+          <a:xfrm>
+            <a:off x="880448" y="848075"/>
+            <a:ext cx="2721707" cy="461665"/>
+          </a:xfrm>
+          <a:prstGeom prst="rect">
+            <a:avLst/>
+          </a:prstGeom>
+        </p:spPr>
+        <p:txBody>
+          <a:bodyPr wrap="none">
+            <a:spAutoFit/>
+          </a:bodyPr>
+          <a:lstStyle/>
+          <a:p>
+            <a:r>
+              <a:rPr lang="en-US" altLang="ko-KR" sz="2400" dirty="0"/>
+              <a:t>001.data_view.png</a:t>
+            </a:r>
+            <a:endParaRPr lang="ko-KR" altLang="en-US" sz="2400" dirty="0"/>
+          </a:p>
+        </p:txBody>
+      </p:sp>
+      <p:pic>
+        <p:nvPicPr>
+          <p:cNvPr id="3" name="Picture 2">
+            <a:extLst>
+              <a:ext uri="{FF2B5EF4-FFF2-40B4-BE49-F238E27FC236}">
+                <a16:creationId xmlns:a16="http://schemas.microsoft.com/office/drawing/2014/main" id="{03445889-B0DF-49E2-A0DE-3D42790F878D}"/>
+              </a:ext>
+            </a:extLst>
+          </p:cNvPr>
+          <p:cNvPicPr>
+            <a:picLocks noChangeAspect="1"/>
+          </p:cNvPicPr>
+          <p:nvPr/>
+        </p:nvPicPr>
+        <p:blipFill>
+          <a:blip r:embed="rId2"/>
+          <a:stretch>
+            <a:fillRect/>
+          </a:stretch>
+        </p:blipFill>
+        <p:spPr>
+          <a:xfrm>
+            <a:off x="273238" y="1552191"/>
+            <a:ext cx="11645523" cy="3906217"/>
+          </a:xfrm>
+          <a:prstGeom prst="rect">
+            <a:avLst/>
+          </a:prstGeom>
+          <a:ln>
+            <a:solidFill>
+              <a:schemeClr val="bg1">
+                <a:lumMod val="65000"/>
+              </a:schemeClr>
+            </a:solidFill>
+          </a:ln>
+        </p:spPr>
+      </p:pic>
+    </p:spTree>
+    <p:extLst>
+      <p:ext uri="{BB962C8B-B14F-4D97-AF65-F5344CB8AC3E}">
+        <p14:creationId xmlns:p14="http://schemas.microsoft.com/office/powerpoint/2010/main" val="1215592350"/>
+      </p:ext>
+    </p:extLst>
+  </p:cSld>
+  <p:clrMapOvr>
+    <a:masterClrMapping/>
+  </p:clrMapOvr>
+</p:sld>
+</file>
+
+<file path=ppt/slides/slide17.xml><?xml version="1.0" encoding="utf-8"?>
+<p:sld xmlns:a="http://schemas.openxmlformats.org/drawingml/2006/main" xmlns:r="http://schemas.openxmlformats.org/officeDocument/2006/relationships" xmlns:p="http://schemas.openxmlformats.org/presentationml/2006/main">
+  <p:cSld>
+    <p:spTree>
+      <p:nvGrpSpPr>
+        <p:cNvPr id="1" name=""/>
+        <p:cNvGrpSpPr/>
+        <p:nvPr/>
+      </p:nvGrpSpPr>
+      <p:grpSpPr>
+        <a:xfrm>
+          <a:off x="0" y="0"/>
+          <a:ext cx="0" cy="0"/>
+          <a:chOff x="0" y="0"/>
+          <a:chExt cx="0" cy="0"/>
+        </a:xfrm>
+      </p:grpSpPr>
+      <p:sp>
+        <p:nvSpPr>
+          <p:cNvPr id="5" name="Rectangle 4">
+            <a:extLst>
+              <a:ext uri="{FF2B5EF4-FFF2-40B4-BE49-F238E27FC236}">
+                <a16:creationId xmlns:a16="http://schemas.microsoft.com/office/drawing/2014/main" id="{A9F8A233-F1F6-4FBE-95DB-BBA88320F8B2}"/>
+              </a:ext>
+            </a:extLst>
+          </p:cNvPr>
+          <p:cNvSpPr/>
+          <p:nvPr/>
+        </p:nvSpPr>
+        <p:spPr>
+          <a:xfrm>
+            <a:off x="880448" y="88969"/>
+            <a:ext cx="2777812" cy="461665"/>
+          </a:xfrm>
+          <a:prstGeom prst="rect">
+            <a:avLst/>
+          </a:prstGeom>
+        </p:spPr>
+        <p:txBody>
+          <a:bodyPr wrap="none">
+            <a:spAutoFit/>
+          </a:bodyPr>
+          <a:lstStyle/>
+          <a:p>
+            <a:r>
+              <a:rPr lang="en-US" altLang="ko-KR" sz="2400" dirty="0"/>
+              <a:t>002.create_pie.png</a:t>
+            </a:r>
+            <a:endParaRPr lang="ko-KR" altLang="en-US" sz="2400" dirty="0"/>
+          </a:p>
+        </p:txBody>
+      </p:sp>
+      <p:pic>
+        <p:nvPicPr>
+          <p:cNvPr id="4" name="Picture 3">
+            <a:extLst>
+              <a:ext uri="{FF2B5EF4-FFF2-40B4-BE49-F238E27FC236}">
+                <a16:creationId xmlns:a16="http://schemas.microsoft.com/office/drawing/2014/main" id="{35553558-03FD-4CE8-8E30-F171A7B41CD8}"/>
+              </a:ext>
+            </a:extLst>
+          </p:cNvPr>
+          <p:cNvPicPr>
+            <a:picLocks noChangeAspect="1"/>
+          </p:cNvPicPr>
+          <p:nvPr/>
+        </p:nvPicPr>
+        <p:blipFill>
+          <a:blip r:embed="rId2"/>
+          <a:stretch>
+            <a:fillRect/>
+          </a:stretch>
+        </p:blipFill>
+        <p:spPr>
+          <a:xfrm>
+            <a:off x="120736" y="738231"/>
+            <a:ext cx="11950528" cy="5834999"/>
+          </a:xfrm>
+          <a:prstGeom prst="rect">
+            <a:avLst/>
+          </a:prstGeom>
+        </p:spPr>
+      </p:pic>
+      <p:sp>
+        <p:nvSpPr>
+          <p:cNvPr id="6" name="직사각형 6">
+            <a:extLst>
+              <a:ext uri="{FF2B5EF4-FFF2-40B4-BE49-F238E27FC236}">
+                <a16:creationId xmlns:a16="http://schemas.microsoft.com/office/drawing/2014/main" id="{FE85D449-A611-484E-BAD0-0D8E7B6A6804}"/>
+              </a:ext>
+            </a:extLst>
+          </p:cNvPr>
+          <p:cNvSpPr/>
+          <p:nvPr/>
+        </p:nvSpPr>
+        <p:spPr>
+          <a:xfrm>
+            <a:off x="1044909" y="1128606"/>
+            <a:ext cx="242441" cy="220033"/>
+          </a:xfrm>
+          <a:prstGeom prst="rect">
+            <a:avLst/>
+          </a:prstGeom>
+          <a:noFill/>
+          <a:ln w="19050">
+            <a:solidFill>
+              <a:schemeClr val="accent2"/>
+            </a:solidFill>
+          </a:ln>
+        </p:spPr>
+        <p:style>
+          <a:lnRef idx="2">
+            <a:schemeClr val="accent1">
+              <a:shade val="50000"/>
+            </a:schemeClr>
+          </a:lnRef>
+          <a:fillRef idx="1">
+            <a:schemeClr val="accent1"/>
+          </a:fillRef>
+          <a:effectRef idx="0">
+            <a:schemeClr val="accent1"/>
+          </a:effectRef>
+          <a:fontRef idx="minor">
+            <a:schemeClr val="lt1"/>
+          </a:fontRef>
+        </p:style>
+        <p:txBody>
+          <a:bodyPr rtlCol="0" anchor="ctr"/>
+          <a:lstStyle/>
+          <a:p>
+            <a:pPr algn="ctr"/>
+            <a:endParaRPr lang="ko-KR" altLang="en-US"/>
+          </a:p>
+        </p:txBody>
+      </p:sp>
+    </p:spTree>
+    <p:extLst>
+      <p:ext uri="{BB962C8B-B14F-4D97-AF65-F5344CB8AC3E}">
+        <p14:creationId xmlns:p14="http://schemas.microsoft.com/office/powerpoint/2010/main" val="2495355459"/>
+      </p:ext>
+    </p:extLst>
+  </p:cSld>
+  <p:clrMapOvr>
+    <a:masterClrMapping/>
+  </p:clrMapOvr>
+</p:sld>
+</file>
+
+<file path=ppt/slides/slide18.xml><?xml version="1.0" encoding="utf-8"?>
+<p:sld xmlns:a="http://schemas.openxmlformats.org/drawingml/2006/main" xmlns:r="http://schemas.openxmlformats.org/officeDocument/2006/relationships" xmlns:p="http://schemas.openxmlformats.org/presentationml/2006/main">
+  <p:cSld>
+    <p:spTree>
+      <p:nvGrpSpPr>
+        <p:cNvPr id="1" name=""/>
+        <p:cNvGrpSpPr/>
+        <p:nvPr/>
+      </p:nvGrpSpPr>
+      <p:grpSpPr>
+        <a:xfrm>
+          <a:off x="0" y="0"/>
+          <a:ext cx="0" cy="0"/>
+          <a:chOff x="0" y="0"/>
+          <a:chExt cx="0" cy="0"/>
+        </a:xfrm>
+      </p:grpSpPr>
+      <p:sp>
+        <p:nvSpPr>
+          <p:cNvPr id="4" name="Rectangle 3">
+            <a:extLst>
+              <a:ext uri="{FF2B5EF4-FFF2-40B4-BE49-F238E27FC236}">
+                <a16:creationId xmlns:a16="http://schemas.microsoft.com/office/drawing/2014/main" id="{ECF457FB-E2A6-4F4D-9BBF-536ACC2FB4C8}"/>
+              </a:ext>
+            </a:extLst>
+          </p:cNvPr>
+          <p:cNvSpPr/>
+          <p:nvPr/>
+        </p:nvSpPr>
+        <p:spPr>
+          <a:xfrm>
+            <a:off x="880448" y="88969"/>
+            <a:ext cx="3431196" cy="461665"/>
+          </a:xfrm>
+          <a:prstGeom prst="rect">
+            <a:avLst/>
+          </a:prstGeom>
+        </p:spPr>
+        <p:txBody>
+          <a:bodyPr wrap="none">
+            <a:spAutoFit/>
+          </a:bodyPr>
+          <a:lstStyle/>
+          <a:p>
+            <a:r>
+              <a:rPr lang="en-US" altLang="ko-KR" sz="2400" dirty="0"/>
+              <a:t>003.model_loading.png</a:t>
+            </a:r>
+            <a:endParaRPr lang="ko-KR" altLang="en-US" sz="2400" dirty="0"/>
+          </a:p>
+        </p:txBody>
+      </p:sp>
+      <p:pic>
+        <p:nvPicPr>
+          <p:cNvPr id="5" name="Picture 4">
+            <a:extLst>
+              <a:ext uri="{FF2B5EF4-FFF2-40B4-BE49-F238E27FC236}">
+                <a16:creationId xmlns:a16="http://schemas.microsoft.com/office/drawing/2014/main" id="{0FA33FEA-224D-46C6-809F-F1F210E41A89}"/>
+              </a:ext>
+            </a:extLst>
+          </p:cNvPr>
+          <p:cNvPicPr>
+            <a:picLocks noChangeAspect="1"/>
+          </p:cNvPicPr>
+          <p:nvPr/>
+        </p:nvPicPr>
+        <p:blipFill>
+          <a:blip r:embed="rId2"/>
+          <a:stretch>
+            <a:fillRect/>
+          </a:stretch>
+        </p:blipFill>
+        <p:spPr>
+          <a:xfrm>
+            <a:off x="190500" y="733827"/>
+            <a:ext cx="11811000" cy="5766873"/>
+          </a:xfrm>
+          <a:prstGeom prst="rect">
+            <a:avLst/>
+          </a:prstGeom>
+          <a:ln>
+            <a:solidFill>
+              <a:schemeClr val="bg1">
+                <a:lumMod val="65000"/>
+              </a:schemeClr>
+            </a:solidFill>
+          </a:ln>
+        </p:spPr>
+      </p:pic>
+      <p:sp>
+        <p:nvSpPr>
+          <p:cNvPr id="6" name="직사각형 6">
+            <a:extLst>
+              <a:ext uri="{FF2B5EF4-FFF2-40B4-BE49-F238E27FC236}">
+                <a16:creationId xmlns:a16="http://schemas.microsoft.com/office/drawing/2014/main" id="{1F01DF3E-C686-48B0-8B96-72271CD195D4}"/>
+              </a:ext>
+            </a:extLst>
+          </p:cNvPr>
+          <p:cNvSpPr/>
+          <p:nvPr/>
+        </p:nvSpPr>
+        <p:spPr>
+          <a:xfrm>
+            <a:off x="10474659" y="1328632"/>
+            <a:ext cx="1526841" cy="2624244"/>
+          </a:xfrm>
+          <a:prstGeom prst="rect">
+            <a:avLst/>
+          </a:prstGeom>
+          <a:noFill/>
+          <a:ln w="19050">
+            <a:solidFill>
+              <a:schemeClr val="accent2"/>
+            </a:solidFill>
+          </a:ln>
+        </p:spPr>
+        <p:style>
+          <a:lnRef idx="2">
+            <a:schemeClr val="accent1">
+              <a:shade val="50000"/>
+            </a:schemeClr>
+          </a:lnRef>
+          <a:fillRef idx="1">
+            <a:schemeClr val="accent1"/>
+          </a:fillRef>
+          <a:effectRef idx="0">
+            <a:schemeClr val="accent1"/>
+          </a:effectRef>
+          <a:fontRef idx="minor">
+            <a:schemeClr val="lt1"/>
+          </a:fontRef>
+        </p:style>
+        <p:txBody>
+          <a:bodyPr rtlCol="0" anchor="ctr"/>
+          <a:lstStyle/>
+          <a:p>
+            <a:pPr algn="ctr"/>
+            <a:endParaRPr lang="ko-KR" altLang="en-US"/>
+          </a:p>
+        </p:txBody>
+      </p:sp>
+      <p:sp>
+        <p:nvSpPr>
+          <p:cNvPr id="7" name="직사각형 6">
+            <a:extLst>
+              <a:ext uri="{FF2B5EF4-FFF2-40B4-BE49-F238E27FC236}">
+                <a16:creationId xmlns:a16="http://schemas.microsoft.com/office/drawing/2014/main" id="{90F19191-63E4-40B8-99AD-0AB40A44DF6C}"/>
+              </a:ext>
+            </a:extLst>
+          </p:cNvPr>
+          <p:cNvSpPr/>
+          <p:nvPr/>
+        </p:nvSpPr>
+        <p:spPr>
+          <a:xfrm>
+            <a:off x="10474658" y="6238874"/>
+            <a:ext cx="1526841" cy="252301"/>
+          </a:xfrm>
+          <a:prstGeom prst="rect">
+            <a:avLst/>
+          </a:prstGeom>
+          <a:noFill/>
+          <a:ln w="19050">
+            <a:solidFill>
+              <a:schemeClr val="accent2"/>
+            </a:solidFill>
+          </a:ln>
+        </p:spPr>
+        <p:style>
+          <a:lnRef idx="2">
+            <a:schemeClr val="accent1">
+              <a:shade val="50000"/>
+            </a:schemeClr>
+          </a:lnRef>
+          <a:fillRef idx="1">
+            <a:schemeClr val="accent1"/>
+          </a:fillRef>
+          <a:effectRef idx="0">
+            <a:schemeClr val="accent1"/>
+          </a:effectRef>
+          <a:fontRef idx="minor">
+            <a:schemeClr val="lt1"/>
+          </a:fontRef>
+        </p:style>
+        <p:txBody>
+          <a:bodyPr rtlCol="0" anchor="ctr"/>
+          <a:lstStyle/>
+          <a:p>
+            <a:pPr algn="ctr"/>
+            <a:endParaRPr lang="ko-KR" altLang="en-US"/>
+          </a:p>
+        </p:txBody>
+      </p:sp>
+    </p:spTree>
+    <p:extLst>
+      <p:ext uri="{BB962C8B-B14F-4D97-AF65-F5344CB8AC3E}">
+        <p14:creationId xmlns:p14="http://schemas.microsoft.com/office/powerpoint/2010/main" val="3418329958"/>
+      </p:ext>
+    </p:extLst>
+  </p:cSld>
+  <p:clrMapOvr>
+    <a:masterClrMapping/>
+  </p:clrMapOvr>
+</p:sld>
+</file>
+
+<file path=ppt/slides/slide19.xml><?xml version="1.0" encoding="utf-8"?>
+<p:sld xmlns:a="http://schemas.openxmlformats.org/drawingml/2006/main" xmlns:r="http://schemas.openxmlformats.org/officeDocument/2006/relationships" xmlns:p="http://schemas.openxmlformats.org/presentationml/2006/main">
+  <p:cSld>
+    <p:spTree>
+      <p:nvGrpSpPr>
+        <p:cNvPr id="1" name=""/>
+        <p:cNvGrpSpPr/>
+        <p:nvPr/>
+      </p:nvGrpSpPr>
+      <p:grpSpPr>
+        <a:xfrm>
+          <a:off x="0" y="0"/>
+          <a:ext cx="0" cy="0"/>
+          <a:chOff x="0" y="0"/>
+          <a:chExt cx="0" cy="0"/>
+        </a:xfrm>
+      </p:grpSpPr>
+      <p:sp>
+        <p:nvSpPr>
+          <p:cNvPr id="4" name="Rectangle 3">
+            <a:extLst>
+              <a:ext uri="{FF2B5EF4-FFF2-40B4-BE49-F238E27FC236}">
+                <a16:creationId xmlns:a16="http://schemas.microsoft.com/office/drawing/2014/main" id="{0F0AB83A-BE95-4CD5-99C9-47F88F277968}"/>
+              </a:ext>
+            </a:extLst>
+          </p:cNvPr>
+          <p:cNvSpPr/>
+          <p:nvPr/>
+        </p:nvSpPr>
+        <p:spPr>
+          <a:xfrm>
+            <a:off x="897225" y="583920"/>
+            <a:ext cx="2292615" cy="461665"/>
+          </a:xfrm>
+          <a:prstGeom prst="rect">
+            <a:avLst/>
+          </a:prstGeom>
+        </p:spPr>
+        <p:txBody>
+          <a:bodyPr wrap="none">
+            <a:spAutoFit/>
+          </a:bodyPr>
+          <a:lstStyle/>
+          <a:p>
+            <a:r>
+              <a:rPr lang="en-US" altLang="ko-KR" sz="2400" dirty="0"/>
+              <a:t>004.vis_pie.png</a:t>
+            </a:r>
+            <a:endParaRPr lang="ko-KR" altLang="en-US" sz="2400" dirty="0"/>
+          </a:p>
+        </p:txBody>
+      </p:sp>
+      <p:grpSp>
+        <p:nvGrpSpPr>
+          <p:cNvPr id="8" name="Group 7">
+            <a:extLst>
+              <a:ext uri="{FF2B5EF4-FFF2-40B4-BE49-F238E27FC236}">
+                <a16:creationId xmlns:a16="http://schemas.microsoft.com/office/drawing/2014/main" id="{55C90399-57D3-486C-B6BC-DD6EE99184E5}"/>
+              </a:ext>
+            </a:extLst>
+          </p:cNvPr>
+          <p:cNvGrpSpPr/>
+          <p:nvPr/>
+        </p:nvGrpSpPr>
+        <p:grpSpPr>
+          <a:xfrm>
+            <a:off x="4957762" y="1571625"/>
+            <a:ext cx="2276475" cy="3714750"/>
+            <a:chOff x="4957762" y="1571625"/>
+            <a:chExt cx="2276475" cy="3714750"/>
+          </a:xfrm>
+        </p:grpSpPr>
+        <p:pic>
+          <p:nvPicPr>
+            <p:cNvPr id="7" name="Picture 6">
+              <a:extLst>
+                <a:ext uri="{FF2B5EF4-FFF2-40B4-BE49-F238E27FC236}">
+                  <a16:creationId xmlns:a16="http://schemas.microsoft.com/office/drawing/2014/main" id="{28101AB4-BA09-4077-90AA-1BE69D21F5A8}"/>
+                </a:ext>
+              </a:extLst>
+            </p:cNvPr>
+            <p:cNvPicPr>
+              <a:picLocks noChangeAspect="1"/>
+            </p:cNvPicPr>
+            <p:nvPr/>
+          </p:nvPicPr>
+          <p:blipFill>
+            <a:blip r:embed="rId2"/>
+            <a:stretch>
+              <a:fillRect/>
+            </a:stretch>
+          </p:blipFill>
+          <p:spPr>
+            <a:xfrm>
+              <a:off x="4957762" y="1571625"/>
+              <a:ext cx="2276475" cy="3714750"/>
+            </a:xfrm>
+            <a:prstGeom prst="rect">
+              <a:avLst/>
+            </a:prstGeom>
+            <a:ln>
+              <a:solidFill>
+                <a:schemeClr val="bg1">
+                  <a:lumMod val="65000"/>
+                </a:schemeClr>
+              </a:solidFill>
+            </a:ln>
+          </p:spPr>
+        </p:pic>
+        <p:sp>
+          <p:nvSpPr>
+            <p:cNvPr id="6" name="직사각형 6">
+              <a:extLst>
+                <a:ext uri="{FF2B5EF4-FFF2-40B4-BE49-F238E27FC236}">
+                  <a16:creationId xmlns:a16="http://schemas.microsoft.com/office/drawing/2014/main" id="{91D15930-414B-40E7-A46A-92751966909F}"/>
+                </a:ext>
+              </a:extLst>
+            </p:cNvPr>
+            <p:cNvSpPr/>
+            <p:nvPr/>
+          </p:nvSpPr>
+          <p:spPr>
+            <a:xfrm>
+              <a:off x="6504154" y="2795482"/>
+              <a:ext cx="730083" cy="633518"/>
+            </a:xfrm>
+            <a:prstGeom prst="rect">
+              <a:avLst/>
+            </a:prstGeom>
+            <a:noFill/>
+            <a:ln w="19050">
+              <a:solidFill>
+                <a:schemeClr val="accent2"/>
+              </a:solidFill>
+            </a:ln>
+          </p:spPr>
+          <p:style>
+            <a:lnRef idx="2">
+              <a:schemeClr val="accent1">
+                <a:shade val="50000"/>
+              </a:schemeClr>
+            </a:lnRef>
+            <a:fillRef idx="1">
+              <a:schemeClr val="accent1"/>
+            </a:fillRef>
+            <a:effectRef idx="0">
+              <a:schemeClr val="accent1"/>
+            </a:effectRef>
+            <a:fontRef idx="minor">
+              <a:schemeClr val="lt1"/>
+            </a:fontRef>
+          </p:style>
+          <p:txBody>
+            <a:bodyPr rtlCol="0" anchor="ctr"/>
+            <a:lstStyle/>
+            <a:p>
+              <a:pPr algn="ctr"/>
+              <a:endParaRPr lang="ko-KR" altLang="en-US"/>
+            </a:p>
+          </p:txBody>
+        </p:sp>
+      </p:grpSp>
+    </p:spTree>
+    <p:extLst>
+      <p:ext uri="{BB962C8B-B14F-4D97-AF65-F5344CB8AC3E}">
+        <p14:creationId xmlns:p14="http://schemas.microsoft.com/office/powerpoint/2010/main" val="2195491643"/>
+      </p:ext>
+    </p:extLst>
+  </p:cSld>
+  <p:clrMapOvr>
+    <a:masterClrMapping/>
+  </p:clrMapOvr>
+</p:sld>
+</file>
+
+<file path=ppt/slides/slide2.xml><?xml version="1.0" encoding="utf-8"?>
+<p:sld xmlns:a="http://schemas.openxmlformats.org/drawingml/2006/main" xmlns:r="http://schemas.openxmlformats.org/officeDocument/2006/relationships" xmlns:p="http://schemas.openxmlformats.org/presentationml/2006/main">
+  <p:cSld>
+    <p:spTree>
+      <p:nvGrpSpPr>
+        <p:cNvPr id="1" name=""/>
+        <p:cNvGrpSpPr/>
+        <p:nvPr/>
+      </p:nvGrpSpPr>
+      <p:grpSpPr>
+        <a:xfrm>
+          <a:off x="0" y="0"/>
+          <a:ext cx="0" cy="0"/>
+          <a:chOff x="0" y="0"/>
+          <a:chExt cx="0" cy="0"/>
+        </a:xfrm>
+      </p:grpSpPr>
+      <p:sp>
+        <p:nvSpPr>
+          <p:cNvPr id="5" name="Rectangle 4">
+            <a:extLst>
+              <a:ext uri="{FF2B5EF4-FFF2-40B4-BE49-F238E27FC236}">
+                <a16:creationId xmlns:a16="http://schemas.microsoft.com/office/drawing/2014/main" id="{9E5F187C-6464-45BC-8575-50BD343C21E0}"/>
+              </a:ext>
+            </a:extLst>
+          </p:cNvPr>
+          <p:cNvSpPr/>
+          <p:nvPr/>
+        </p:nvSpPr>
+        <p:spPr>
+          <a:xfrm>
+            <a:off x="880448" y="848075"/>
+            <a:ext cx="2721707" cy="461665"/>
+          </a:xfrm>
+          <a:prstGeom prst="rect">
+            <a:avLst/>
+          </a:prstGeom>
+        </p:spPr>
+        <p:txBody>
+          <a:bodyPr wrap="none">
+            <a:spAutoFit/>
+          </a:bodyPr>
+          <a:lstStyle/>
+          <a:p>
+            <a:r>
+              <a:rPr lang="en-US" altLang="ko-KR" sz="2400" dirty="0"/>
+              <a:t>001.data_view.png</a:t>
+            </a:r>
+            <a:endParaRPr lang="ko-KR" altLang="en-US" sz="2400" dirty="0"/>
+          </a:p>
+        </p:txBody>
+      </p:sp>
+      <p:pic>
+        <p:nvPicPr>
+          <p:cNvPr id="2" name="Picture 1">
+            <a:extLst>
+              <a:ext uri="{FF2B5EF4-FFF2-40B4-BE49-F238E27FC236}">
+                <a16:creationId xmlns:a16="http://schemas.microsoft.com/office/drawing/2014/main" id="{3B9C68E8-A4BB-4BC8-9726-36310024824D}"/>
+              </a:ext>
+            </a:extLst>
+          </p:cNvPr>
+          <p:cNvPicPr>
+            <a:picLocks noChangeAspect="1"/>
+          </p:cNvPicPr>
+          <p:nvPr/>
+        </p:nvPicPr>
+        <p:blipFill>
+          <a:blip r:embed="rId2"/>
+          <a:stretch>
+            <a:fillRect/>
+          </a:stretch>
+        </p:blipFill>
+        <p:spPr>
+          <a:xfrm>
+            <a:off x="83890" y="1645405"/>
+            <a:ext cx="12192000" cy="4087308"/>
+          </a:xfrm>
+          <a:prstGeom prst="rect">
+            <a:avLst/>
+          </a:prstGeom>
+          <a:ln>
+            <a:solidFill>
+              <a:schemeClr val="bg1">
+                <a:lumMod val="65000"/>
+              </a:schemeClr>
+            </a:solidFill>
+          </a:ln>
+        </p:spPr>
+      </p:pic>
+    </p:spTree>
+    <p:extLst>
+      <p:ext uri="{BB962C8B-B14F-4D97-AF65-F5344CB8AC3E}">
+        <p14:creationId xmlns:p14="http://schemas.microsoft.com/office/powerpoint/2010/main" val="1097970920"/>
+      </p:ext>
+    </p:extLst>
+  </p:cSld>
+  <p:clrMapOvr>
+    <a:masterClrMapping/>
+  </p:clrMapOvr>
+</p:sld>
+</file>
+
+<file path=ppt/slides/slide20.xml><?xml version="1.0" encoding="utf-8"?>
+<p:sld xmlns:a="http://schemas.openxmlformats.org/drawingml/2006/main" xmlns:r="http://schemas.openxmlformats.org/officeDocument/2006/relationships" xmlns:p="http://schemas.openxmlformats.org/presentationml/2006/main">
+  <p:cSld>
+    <p:spTree>
+      <p:nvGrpSpPr>
+        <p:cNvPr id="1" name=""/>
+        <p:cNvGrpSpPr/>
+        <p:nvPr/>
+      </p:nvGrpSpPr>
+      <p:grpSpPr>
+        <a:xfrm>
+          <a:off x="0" y="0"/>
+          <a:ext cx="0" cy="0"/>
+          <a:chOff x="0" y="0"/>
+          <a:chExt cx="0" cy="0"/>
+        </a:xfrm>
+      </p:grpSpPr>
+      <p:sp>
+        <p:nvSpPr>
+          <p:cNvPr id="4" name="Rectangle 3">
+            <a:extLst>
+              <a:ext uri="{FF2B5EF4-FFF2-40B4-BE49-F238E27FC236}">
+                <a16:creationId xmlns:a16="http://schemas.microsoft.com/office/drawing/2014/main" id="{B1EFCD3D-03C8-413B-9DD2-263CD9C91E31}"/>
+              </a:ext>
+            </a:extLst>
+          </p:cNvPr>
+          <p:cNvSpPr/>
+          <p:nvPr/>
+        </p:nvSpPr>
+        <p:spPr>
+          <a:xfrm>
+            <a:off x="897225" y="583920"/>
+            <a:ext cx="2342308" cy="461665"/>
+          </a:xfrm>
+          <a:prstGeom prst="rect">
+            <a:avLst/>
+          </a:prstGeom>
+        </p:spPr>
+        <p:txBody>
+          <a:bodyPr wrap="none">
+            <a:spAutoFit/>
+          </a:bodyPr>
+          <a:lstStyle/>
+          <a:p>
+            <a:r>
+              <a:rPr lang="en-US" altLang="ko-KR" sz="2400" dirty="0"/>
+              <a:t>005.vis_opt.png</a:t>
+            </a:r>
+            <a:endParaRPr lang="ko-KR" altLang="en-US" sz="2400" dirty="0"/>
+          </a:p>
+        </p:txBody>
+      </p:sp>
+      <p:grpSp>
+        <p:nvGrpSpPr>
+          <p:cNvPr id="7" name="Group 6">
+            <a:extLst>
+              <a:ext uri="{FF2B5EF4-FFF2-40B4-BE49-F238E27FC236}">
+                <a16:creationId xmlns:a16="http://schemas.microsoft.com/office/drawing/2014/main" id="{179760F2-8CEE-45E0-B405-7259F390AF48}"/>
+              </a:ext>
+            </a:extLst>
+          </p:cNvPr>
+          <p:cNvGrpSpPr/>
+          <p:nvPr/>
+        </p:nvGrpSpPr>
+        <p:grpSpPr>
+          <a:xfrm>
+            <a:off x="4324350" y="2490787"/>
+            <a:ext cx="2266950" cy="1152525"/>
+            <a:chOff x="4324350" y="2490787"/>
+            <a:chExt cx="2266950" cy="1152525"/>
+          </a:xfrm>
+        </p:grpSpPr>
+        <p:pic>
+          <p:nvPicPr>
+            <p:cNvPr id="5" name="Picture 4">
+              <a:extLst>
+                <a:ext uri="{FF2B5EF4-FFF2-40B4-BE49-F238E27FC236}">
+                  <a16:creationId xmlns:a16="http://schemas.microsoft.com/office/drawing/2014/main" id="{761F22C7-85A6-41AF-B3C5-1723F0FF0163}"/>
+                </a:ext>
+              </a:extLst>
+            </p:cNvPr>
+            <p:cNvPicPr>
+              <a:picLocks noChangeAspect="1"/>
+            </p:cNvPicPr>
+            <p:nvPr/>
+          </p:nvPicPr>
+          <p:blipFill>
+            <a:blip r:embed="rId2"/>
+            <a:stretch>
+              <a:fillRect/>
+            </a:stretch>
+          </p:blipFill>
+          <p:spPr>
+            <a:xfrm>
+              <a:off x="4324350" y="2490787"/>
+              <a:ext cx="2266950" cy="1152525"/>
+            </a:xfrm>
+            <a:prstGeom prst="rect">
+              <a:avLst/>
+            </a:prstGeom>
+          </p:spPr>
+        </p:pic>
+        <p:sp>
+          <p:nvSpPr>
+            <p:cNvPr id="6" name="직사각형 6">
+              <a:extLst>
+                <a:ext uri="{FF2B5EF4-FFF2-40B4-BE49-F238E27FC236}">
+                  <a16:creationId xmlns:a16="http://schemas.microsoft.com/office/drawing/2014/main" id="{D060AF3B-3E6E-498D-82FC-9C5EB0FEE515}"/>
+                </a:ext>
+              </a:extLst>
+            </p:cNvPr>
+            <p:cNvSpPr/>
+            <p:nvPr/>
+          </p:nvSpPr>
+          <p:spPr>
+            <a:xfrm>
+              <a:off x="4859057" y="2538412"/>
+              <a:ext cx="941668" cy="204788"/>
+            </a:xfrm>
+            <a:prstGeom prst="rect">
+              <a:avLst/>
+            </a:prstGeom>
+            <a:noFill/>
+            <a:ln w="19050">
+              <a:solidFill>
+                <a:schemeClr val="accent2"/>
+              </a:solidFill>
+            </a:ln>
+          </p:spPr>
+          <p:style>
+            <a:lnRef idx="2">
+              <a:schemeClr val="accent1">
+                <a:shade val="50000"/>
+              </a:schemeClr>
+            </a:lnRef>
+            <a:fillRef idx="1">
+              <a:schemeClr val="accent1"/>
+            </a:fillRef>
+            <a:effectRef idx="0">
+              <a:schemeClr val="accent1"/>
+            </a:effectRef>
+            <a:fontRef idx="minor">
+              <a:schemeClr val="lt1"/>
+            </a:fontRef>
+          </p:style>
+          <p:txBody>
+            <a:bodyPr rtlCol="0" anchor="ctr"/>
+            <a:lstStyle/>
+            <a:p>
+              <a:pPr algn="ctr"/>
+              <a:endParaRPr lang="ko-KR" altLang="en-US"/>
+            </a:p>
+          </p:txBody>
+        </p:sp>
+      </p:grpSp>
+    </p:spTree>
+    <p:extLst>
+      <p:ext uri="{BB962C8B-B14F-4D97-AF65-F5344CB8AC3E}">
+        <p14:creationId xmlns:p14="http://schemas.microsoft.com/office/powerpoint/2010/main" val="2183171679"/>
+      </p:ext>
+    </p:extLst>
+  </p:cSld>
+  <p:clrMapOvr>
+    <a:masterClrMapping/>
+  </p:clrMapOvr>
+</p:sld>
+</file>
+
+<file path=ppt/slides/slide21.xml><?xml version="1.0" encoding="utf-8"?>
+<p:sld xmlns:a="http://schemas.openxmlformats.org/drawingml/2006/main" xmlns:r="http://schemas.openxmlformats.org/officeDocument/2006/relationships" xmlns:p="http://schemas.openxmlformats.org/presentationml/2006/main">
+  <p:cSld>
+    <p:spTree>
+      <p:nvGrpSpPr>
+        <p:cNvPr id="1" name=""/>
+        <p:cNvGrpSpPr/>
+        <p:nvPr/>
+      </p:nvGrpSpPr>
+      <p:grpSpPr>
+        <a:xfrm>
+          <a:off x="0" y="0"/>
+          <a:ext cx="0" cy="0"/>
+          <a:chOff x="0" y="0"/>
+          <a:chExt cx="0" cy="0"/>
+        </a:xfrm>
+      </p:grpSpPr>
+      <p:sp>
+        <p:nvSpPr>
+          <p:cNvPr id="4" name="Rectangle 3">
+            <a:extLst>
+              <a:ext uri="{FF2B5EF4-FFF2-40B4-BE49-F238E27FC236}">
+                <a16:creationId xmlns:a16="http://schemas.microsoft.com/office/drawing/2014/main" id="{2AD395C7-3121-4D23-91F4-8C6CA6F903BF}"/>
+              </a:ext>
+            </a:extLst>
+          </p:cNvPr>
+          <p:cNvSpPr/>
+          <p:nvPr/>
+        </p:nvSpPr>
+        <p:spPr>
+          <a:xfrm>
+            <a:off x="897225" y="583920"/>
+            <a:ext cx="3451009" cy="461665"/>
+          </a:xfrm>
+          <a:prstGeom prst="rect">
+            <a:avLst/>
+          </a:prstGeom>
+        </p:spPr>
+        <p:txBody>
+          <a:bodyPr wrap="none">
+            <a:spAutoFit/>
+          </a:bodyPr>
+          <a:lstStyle/>
+          <a:p>
+            <a:r>
+              <a:rPr lang="en-US" altLang="ko-KR" sz="2400" dirty="0"/>
+              <a:t>006.vis_opt_normal.png</a:t>
+            </a:r>
+            <a:endParaRPr lang="ko-KR" altLang="en-US" sz="2400" dirty="0"/>
+          </a:p>
+        </p:txBody>
+      </p:sp>
+      <p:pic>
+        <p:nvPicPr>
+          <p:cNvPr id="5" name="Picture 4">
+            <a:extLst>
+              <a:ext uri="{FF2B5EF4-FFF2-40B4-BE49-F238E27FC236}">
+                <a16:creationId xmlns:a16="http://schemas.microsoft.com/office/drawing/2014/main" id="{5CEA32B7-05C5-4C3E-A70F-BA0450E298C4}"/>
+              </a:ext>
+            </a:extLst>
+          </p:cNvPr>
+          <p:cNvPicPr>
+            <a:picLocks noChangeAspect="1"/>
+          </p:cNvPicPr>
+          <p:nvPr/>
+        </p:nvPicPr>
+        <p:blipFill>
+          <a:blip r:embed="rId2"/>
+          <a:stretch>
+            <a:fillRect/>
+          </a:stretch>
+        </p:blipFill>
+        <p:spPr>
+          <a:xfrm>
+            <a:off x="3871912" y="2447925"/>
+            <a:ext cx="4162425" cy="1962150"/>
+          </a:xfrm>
+          <a:prstGeom prst="rect">
+            <a:avLst/>
+          </a:prstGeom>
+        </p:spPr>
+      </p:pic>
+    </p:spTree>
+    <p:extLst>
+      <p:ext uri="{BB962C8B-B14F-4D97-AF65-F5344CB8AC3E}">
+        <p14:creationId xmlns:p14="http://schemas.microsoft.com/office/powerpoint/2010/main" val="4242886955"/>
+      </p:ext>
+    </p:extLst>
+  </p:cSld>
+  <p:clrMapOvr>
+    <a:masterClrMapping/>
+  </p:clrMapOvr>
+</p:sld>
+</file>
+
+<file path=ppt/slides/slide22.xml><?xml version="1.0" encoding="utf-8"?>
+<p:sld xmlns:a="http://schemas.openxmlformats.org/drawingml/2006/main" xmlns:r="http://schemas.openxmlformats.org/officeDocument/2006/relationships" xmlns:p="http://schemas.openxmlformats.org/presentationml/2006/main">
+  <p:cSld>
+    <p:spTree>
+      <p:nvGrpSpPr>
+        <p:cNvPr id="1" name=""/>
+        <p:cNvGrpSpPr/>
+        <p:nvPr/>
+      </p:nvGrpSpPr>
+      <p:grpSpPr>
+        <a:xfrm>
+          <a:off x="0" y="0"/>
+          <a:ext cx="0" cy="0"/>
+          <a:chOff x="0" y="0"/>
+          <a:chExt cx="0" cy="0"/>
+        </a:xfrm>
+      </p:grpSpPr>
+      <p:sp>
+        <p:nvSpPr>
+          <p:cNvPr id="4" name="Rectangle 3">
+            <a:extLst>
+              <a:ext uri="{FF2B5EF4-FFF2-40B4-BE49-F238E27FC236}">
+                <a16:creationId xmlns:a16="http://schemas.microsoft.com/office/drawing/2014/main" id="{2C2E43DB-1E8D-413F-B5C5-176EC96F48B4}"/>
+              </a:ext>
+            </a:extLst>
+          </p:cNvPr>
+          <p:cNvSpPr/>
+          <p:nvPr/>
+        </p:nvSpPr>
+        <p:spPr>
+          <a:xfrm>
+            <a:off x="897225" y="583920"/>
+            <a:ext cx="2989921" cy="461665"/>
+          </a:xfrm>
+          <a:prstGeom prst="rect">
+            <a:avLst/>
+          </a:prstGeom>
+        </p:spPr>
+        <p:txBody>
+          <a:bodyPr wrap="none">
+            <a:spAutoFit/>
+          </a:bodyPr>
+          <a:lstStyle/>
+          <a:p>
+            <a:r>
+              <a:rPr lang="en-US" altLang="ko-KR" sz="2400" dirty="0"/>
+              <a:t>007.vis_opt_size.png</a:t>
+            </a:r>
+            <a:endParaRPr lang="ko-KR" altLang="en-US" sz="2400" dirty="0"/>
+          </a:p>
+        </p:txBody>
+      </p:sp>
+      <p:pic>
+        <p:nvPicPr>
+          <p:cNvPr id="5" name="Picture 4">
+            <a:extLst>
+              <a:ext uri="{FF2B5EF4-FFF2-40B4-BE49-F238E27FC236}">
+                <a16:creationId xmlns:a16="http://schemas.microsoft.com/office/drawing/2014/main" id="{C5E86612-DA01-42D3-9863-B25347FD2936}"/>
+              </a:ext>
+            </a:extLst>
+          </p:cNvPr>
+          <p:cNvPicPr>
+            <a:picLocks noChangeAspect="1"/>
+          </p:cNvPicPr>
+          <p:nvPr/>
+        </p:nvPicPr>
+        <p:blipFill>
+          <a:blip r:embed="rId2"/>
+          <a:stretch>
+            <a:fillRect/>
+          </a:stretch>
+        </p:blipFill>
+        <p:spPr>
+          <a:xfrm>
+            <a:off x="4005262" y="2638425"/>
+            <a:ext cx="4181475" cy="1581150"/>
+          </a:xfrm>
+          <a:prstGeom prst="rect">
+            <a:avLst/>
+          </a:prstGeom>
+        </p:spPr>
+      </p:pic>
+    </p:spTree>
+    <p:extLst>
+      <p:ext uri="{BB962C8B-B14F-4D97-AF65-F5344CB8AC3E}">
+        <p14:creationId xmlns:p14="http://schemas.microsoft.com/office/powerpoint/2010/main" val="33381045"/>
+      </p:ext>
+    </p:extLst>
+  </p:cSld>
+  <p:clrMapOvr>
+    <a:masterClrMapping/>
+  </p:clrMapOvr>
+</p:sld>
+</file>
+
+<file path=ppt/slides/slide23.xml><?xml version="1.0" encoding="utf-8"?>
+<p:sld xmlns:a="http://schemas.openxmlformats.org/drawingml/2006/main" xmlns:r="http://schemas.openxmlformats.org/officeDocument/2006/relationships" xmlns:p="http://schemas.openxmlformats.org/presentationml/2006/main">
+  <p:cSld>
+    <p:spTree>
+      <p:nvGrpSpPr>
+        <p:cNvPr id="1" name=""/>
+        <p:cNvGrpSpPr/>
+        <p:nvPr/>
+      </p:nvGrpSpPr>
+      <p:grpSpPr>
+        <a:xfrm>
+          <a:off x="0" y="0"/>
+          <a:ext cx="0" cy="0"/>
+          <a:chOff x="0" y="0"/>
+          <a:chExt cx="0" cy="0"/>
+        </a:xfrm>
+      </p:grpSpPr>
+      <p:pic>
+        <p:nvPicPr>
+          <p:cNvPr id="4" name="Picture 3">
+            <a:extLst>
+              <a:ext uri="{FF2B5EF4-FFF2-40B4-BE49-F238E27FC236}">
+                <a16:creationId xmlns:a16="http://schemas.microsoft.com/office/drawing/2014/main" id="{3AA7FCAC-DCA3-4CE6-A697-CA02521393FA}"/>
+              </a:ext>
+            </a:extLst>
+          </p:cNvPr>
+          <p:cNvPicPr>
+            <a:picLocks noChangeAspect="1"/>
+          </p:cNvPicPr>
+          <p:nvPr/>
+        </p:nvPicPr>
+        <p:blipFill>
+          <a:blip r:embed="rId2"/>
+          <a:stretch>
+            <a:fillRect/>
+          </a:stretch>
+        </p:blipFill>
+        <p:spPr>
+          <a:xfrm>
+            <a:off x="4019550" y="2638425"/>
+            <a:ext cx="4152900" cy="1581150"/>
+          </a:xfrm>
+          <a:prstGeom prst="rect">
+            <a:avLst/>
+          </a:prstGeom>
+        </p:spPr>
+      </p:pic>
+      <p:sp>
+        <p:nvSpPr>
+          <p:cNvPr id="5" name="Rectangle 4">
+            <a:extLst>
+              <a:ext uri="{FF2B5EF4-FFF2-40B4-BE49-F238E27FC236}">
+                <a16:creationId xmlns:a16="http://schemas.microsoft.com/office/drawing/2014/main" id="{5A061D8D-2BD3-43EB-B9D6-B7AB9FCE3D52}"/>
+              </a:ext>
+            </a:extLst>
+          </p:cNvPr>
+          <p:cNvSpPr/>
+          <p:nvPr/>
+        </p:nvSpPr>
+        <p:spPr>
+          <a:xfrm>
+            <a:off x="897225" y="583920"/>
+            <a:ext cx="3429144" cy="461665"/>
+          </a:xfrm>
+          <a:prstGeom prst="rect">
+            <a:avLst/>
+          </a:prstGeom>
+        </p:spPr>
+        <p:txBody>
+          <a:bodyPr wrap="none">
+            <a:spAutoFit/>
+          </a:bodyPr>
+          <a:lstStyle/>
+          <a:p>
+            <a:r>
+              <a:rPr lang="en-US" altLang="ko-KR" sz="2400" dirty="0"/>
+              <a:t>008.vis_opt_legend.png</a:t>
+            </a:r>
+            <a:endParaRPr lang="ko-KR" altLang="en-US" sz="2400" dirty="0"/>
+          </a:p>
+        </p:txBody>
+      </p:sp>
+    </p:spTree>
+    <p:extLst>
+      <p:ext uri="{BB962C8B-B14F-4D97-AF65-F5344CB8AC3E}">
+        <p14:creationId xmlns:p14="http://schemas.microsoft.com/office/powerpoint/2010/main" val="435613636"/>
+      </p:ext>
+    </p:extLst>
+  </p:cSld>
+  <p:clrMapOvr>
+    <a:masterClrMapping/>
+  </p:clrMapOvr>
+</p:sld>
+</file>
+
+<file path=ppt/slides/slide24.xml><?xml version="1.0" encoding="utf-8"?>
+<p:sld xmlns:a="http://schemas.openxmlformats.org/drawingml/2006/main" xmlns:r="http://schemas.openxmlformats.org/officeDocument/2006/relationships" xmlns:p="http://schemas.openxmlformats.org/presentationml/2006/main">
+  <p:cSld>
+    <p:spTree>
+      <p:nvGrpSpPr>
+        <p:cNvPr id="1" name=""/>
+        <p:cNvGrpSpPr/>
+        <p:nvPr/>
+      </p:nvGrpSpPr>
+      <p:grpSpPr>
+        <a:xfrm>
+          <a:off x="0" y="0"/>
+          <a:ext cx="0" cy="0"/>
+          <a:chOff x="0" y="0"/>
+          <a:chExt cx="0" cy="0"/>
+        </a:xfrm>
+      </p:grpSpPr>
+      <p:sp>
+        <p:nvSpPr>
+          <p:cNvPr id="4" name="Rectangle 3">
+            <a:extLst>
+              <a:ext uri="{FF2B5EF4-FFF2-40B4-BE49-F238E27FC236}">
+                <a16:creationId xmlns:a16="http://schemas.microsoft.com/office/drawing/2014/main" id="{A6FF3969-3835-4029-B6BD-DB0DEE903D90}"/>
+              </a:ext>
+            </a:extLst>
+          </p:cNvPr>
+          <p:cNvSpPr/>
+          <p:nvPr/>
+        </p:nvSpPr>
+        <p:spPr>
+          <a:xfrm>
+            <a:off x="897225" y="583920"/>
+            <a:ext cx="3310971" cy="461665"/>
+          </a:xfrm>
+          <a:prstGeom prst="rect">
+            <a:avLst/>
+          </a:prstGeom>
+        </p:spPr>
+        <p:txBody>
+          <a:bodyPr wrap="none">
+            <a:spAutoFit/>
+          </a:bodyPr>
+          <a:lstStyle/>
+          <a:p>
+            <a:r>
+              <a:rPr lang="en-US" altLang="ko-KR" sz="2400" dirty="0"/>
+              <a:t>009.vis_opt_group.png</a:t>
+            </a:r>
+            <a:endParaRPr lang="ko-KR" altLang="en-US" sz="2400" dirty="0"/>
+          </a:p>
+        </p:txBody>
+      </p:sp>
+      <p:pic>
+        <p:nvPicPr>
+          <p:cNvPr id="5" name="Picture 4">
+            <a:extLst>
+              <a:ext uri="{FF2B5EF4-FFF2-40B4-BE49-F238E27FC236}">
+                <a16:creationId xmlns:a16="http://schemas.microsoft.com/office/drawing/2014/main" id="{5F9CF291-DAEC-4101-9553-CA4ADCF217E5}"/>
+              </a:ext>
+            </a:extLst>
+          </p:cNvPr>
+          <p:cNvPicPr>
+            <a:picLocks noChangeAspect="1"/>
+          </p:cNvPicPr>
+          <p:nvPr/>
+        </p:nvPicPr>
+        <p:blipFill>
+          <a:blip r:embed="rId2"/>
+          <a:stretch>
+            <a:fillRect/>
+          </a:stretch>
+        </p:blipFill>
+        <p:spPr>
+          <a:xfrm>
+            <a:off x="4019550" y="2643187"/>
+            <a:ext cx="4152900" cy="1571625"/>
+          </a:xfrm>
+          <a:prstGeom prst="rect">
+            <a:avLst/>
+          </a:prstGeom>
+        </p:spPr>
+      </p:pic>
+    </p:spTree>
+    <p:extLst>
+      <p:ext uri="{BB962C8B-B14F-4D97-AF65-F5344CB8AC3E}">
+        <p14:creationId xmlns:p14="http://schemas.microsoft.com/office/powerpoint/2010/main" val="3459349660"/>
+      </p:ext>
+    </p:extLst>
+  </p:cSld>
+  <p:clrMapOvr>
+    <a:masterClrMapping/>
+  </p:clrMapOvr>
+</p:sld>
+</file>
+
+<file path=ppt/slides/slide25.xml><?xml version="1.0" encoding="utf-8"?>
+<p:sld xmlns:a="http://schemas.openxmlformats.org/drawingml/2006/main" xmlns:r="http://schemas.openxmlformats.org/officeDocument/2006/relationships" xmlns:p="http://schemas.openxmlformats.org/presentationml/2006/main">
+  <p:cSld>
+    <p:spTree>
+      <p:nvGrpSpPr>
+        <p:cNvPr id="1" name=""/>
+        <p:cNvGrpSpPr/>
+        <p:nvPr/>
+      </p:nvGrpSpPr>
+      <p:grpSpPr>
+        <a:xfrm>
+          <a:off x="0" y="0"/>
+          <a:ext cx="0" cy="0"/>
+          <a:chOff x="0" y="0"/>
+          <a:chExt cx="0" cy="0"/>
+        </a:xfrm>
+      </p:grpSpPr>
+      <p:pic>
+        <p:nvPicPr>
+          <p:cNvPr id="4" name="Picture 3">
+            <a:extLst>
+              <a:ext uri="{FF2B5EF4-FFF2-40B4-BE49-F238E27FC236}">
+                <a16:creationId xmlns:a16="http://schemas.microsoft.com/office/drawing/2014/main" id="{61AA2044-8831-430E-A72A-0968EE6698D6}"/>
+              </a:ext>
+            </a:extLst>
+          </p:cNvPr>
+          <p:cNvPicPr>
+            <a:picLocks noChangeAspect="1"/>
+          </p:cNvPicPr>
+          <p:nvPr/>
+        </p:nvPicPr>
+        <p:blipFill>
+          <a:blip r:embed="rId2"/>
+          <a:stretch>
+            <a:fillRect/>
+          </a:stretch>
+        </p:blipFill>
+        <p:spPr>
+          <a:xfrm>
+            <a:off x="66675" y="790754"/>
+            <a:ext cx="12192000" cy="5924192"/>
+          </a:xfrm>
+          <a:prstGeom prst="rect">
+            <a:avLst/>
+          </a:prstGeom>
+        </p:spPr>
+      </p:pic>
+      <p:sp>
+        <p:nvSpPr>
+          <p:cNvPr id="5" name="Rectangle 4">
+            <a:extLst>
+              <a:ext uri="{FF2B5EF4-FFF2-40B4-BE49-F238E27FC236}">
+                <a16:creationId xmlns:a16="http://schemas.microsoft.com/office/drawing/2014/main" id="{E52DF075-F191-416C-94C1-C8D931590A8C}"/>
+              </a:ext>
+            </a:extLst>
+          </p:cNvPr>
+          <p:cNvSpPr/>
+          <p:nvPr/>
+        </p:nvSpPr>
+        <p:spPr>
+          <a:xfrm>
+            <a:off x="950268" y="152579"/>
+            <a:ext cx="2629694" cy="461665"/>
+          </a:xfrm>
+          <a:prstGeom prst="rect">
+            <a:avLst/>
+          </a:prstGeom>
+        </p:spPr>
+        <p:txBody>
+          <a:bodyPr wrap="none">
+            <a:spAutoFit/>
+          </a:bodyPr>
+          <a:lstStyle/>
+          <a:p>
+            <a:r>
+              <a:rPr lang="en-US" altLang="ko-KR" sz="2400" dirty="0"/>
+              <a:t>010.vis_result.png</a:t>
+            </a:r>
+            <a:endParaRPr lang="ko-KR" altLang="en-US" sz="2400" dirty="0"/>
+          </a:p>
+        </p:txBody>
+      </p:sp>
+    </p:spTree>
+    <p:extLst>
+      <p:ext uri="{BB962C8B-B14F-4D97-AF65-F5344CB8AC3E}">
+        <p14:creationId xmlns:p14="http://schemas.microsoft.com/office/powerpoint/2010/main" val="456864763"/>
+      </p:ext>
+    </p:extLst>
+  </p:cSld>
+  <p:clrMapOvr>
+    <a:masterClrMapping/>
+  </p:clrMapOvr>
+</p:sld>
+</file>
+
+<file path=ppt/slides/slide26.xml><?xml version="1.0" encoding="utf-8"?>
+<p:sld xmlns:a="http://schemas.openxmlformats.org/drawingml/2006/main" xmlns:r="http://schemas.openxmlformats.org/officeDocument/2006/relationships" xmlns:p="http://schemas.openxmlformats.org/presentationml/2006/main">
+  <p:cSld>
+    <p:spTree>
+      <p:nvGrpSpPr>
+        <p:cNvPr id="1" name=""/>
+        <p:cNvGrpSpPr/>
+        <p:nvPr/>
+      </p:nvGrpSpPr>
+      <p:grpSpPr>
+        <a:xfrm>
+          <a:off x="0" y="0"/>
+          <a:ext cx="0" cy="0"/>
+          <a:chOff x="0" y="0"/>
+          <a:chExt cx="0" cy="0"/>
+        </a:xfrm>
+      </p:grpSpPr>
+      <p:sp>
+        <p:nvSpPr>
+          <p:cNvPr id="4" name="Rectangle 3">
+            <a:extLst>
+              <a:ext uri="{FF2B5EF4-FFF2-40B4-BE49-F238E27FC236}">
+                <a16:creationId xmlns:a16="http://schemas.microsoft.com/office/drawing/2014/main" id="{F6FFFA12-3D57-4F18-A307-6C6CF037F8A0}"/>
+              </a:ext>
+            </a:extLst>
+          </p:cNvPr>
+          <p:cNvSpPr/>
+          <p:nvPr/>
+        </p:nvSpPr>
+        <p:spPr>
+          <a:xfrm>
+            <a:off x="997893" y="263850"/>
+            <a:ext cx="2770374" cy="461665"/>
+          </a:xfrm>
+          <a:prstGeom prst="rect">
+            <a:avLst/>
+          </a:prstGeom>
+        </p:spPr>
+        <p:txBody>
+          <a:bodyPr wrap="none">
+            <a:spAutoFit/>
+          </a:bodyPr>
+          <a:lstStyle/>
+          <a:p>
+            <a:r>
+              <a:rPr lang="en-US" altLang="ko-KR" sz="2400" dirty="0"/>
+              <a:t>011.view_error.png</a:t>
+            </a:r>
+            <a:endParaRPr lang="ko-KR" altLang="en-US" sz="2400" dirty="0"/>
+          </a:p>
+        </p:txBody>
+      </p:sp>
+      <p:pic>
+        <p:nvPicPr>
+          <p:cNvPr id="5" name="Picture 4">
+            <a:extLst>
+              <a:ext uri="{FF2B5EF4-FFF2-40B4-BE49-F238E27FC236}">
+                <a16:creationId xmlns:a16="http://schemas.microsoft.com/office/drawing/2014/main" id="{757C08F1-AD23-4700-8381-1D1BC8EE8175}"/>
+              </a:ext>
+            </a:extLst>
+          </p:cNvPr>
+          <p:cNvPicPr>
+            <a:picLocks noChangeAspect="1"/>
+          </p:cNvPicPr>
+          <p:nvPr/>
+        </p:nvPicPr>
+        <p:blipFill>
+          <a:blip r:embed="rId2"/>
+          <a:stretch>
+            <a:fillRect/>
+          </a:stretch>
+        </p:blipFill>
+        <p:spPr>
+          <a:xfrm>
+            <a:off x="454544" y="861297"/>
+            <a:ext cx="11282911" cy="5448762"/>
+          </a:xfrm>
+          <a:prstGeom prst="rect">
+            <a:avLst/>
+          </a:prstGeom>
+          <a:ln>
+            <a:solidFill>
+              <a:schemeClr val="bg1">
+                <a:lumMod val="65000"/>
+              </a:schemeClr>
+            </a:solidFill>
+          </a:ln>
+        </p:spPr>
+      </p:pic>
+    </p:spTree>
+    <p:extLst>
+      <p:ext uri="{BB962C8B-B14F-4D97-AF65-F5344CB8AC3E}">
+        <p14:creationId xmlns:p14="http://schemas.microsoft.com/office/powerpoint/2010/main" val="4005913566"/>
+      </p:ext>
+    </p:extLst>
+  </p:cSld>
+  <p:clrMapOvr>
+    <a:masterClrMapping/>
+  </p:clrMapOvr>
+</p:sld>
+</file>
+
+<file path=ppt/slides/slide27.xml><?xml version="1.0" encoding="utf-8"?>
+<p:sld xmlns:a="http://schemas.openxmlformats.org/drawingml/2006/main" xmlns:r="http://schemas.openxmlformats.org/officeDocument/2006/relationships" xmlns:p="http://schemas.openxmlformats.org/presentationml/2006/main">
+  <p:cSld>
+    <p:spTree>
+      <p:nvGrpSpPr>
+        <p:cNvPr id="1" name=""/>
+        <p:cNvGrpSpPr/>
+        <p:nvPr/>
+      </p:nvGrpSpPr>
+      <p:grpSpPr>
+        <a:xfrm>
+          <a:off x="0" y="0"/>
+          <a:ext cx="0" cy="0"/>
+          <a:chOff x="0" y="0"/>
+          <a:chExt cx="0" cy="0"/>
+        </a:xfrm>
+      </p:grpSpPr>
+      <p:sp>
+        <p:nvSpPr>
+          <p:cNvPr id="4" name="Rectangle 3">
+            <a:extLst>
+              <a:ext uri="{FF2B5EF4-FFF2-40B4-BE49-F238E27FC236}">
+                <a16:creationId xmlns:a16="http://schemas.microsoft.com/office/drawing/2014/main" id="{9C4C6FA6-8838-4441-B8C1-C0BE7CFBED2E}"/>
+              </a:ext>
+            </a:extLst>
+          </p:cNvPr>
+          <p:cNvSpPr/>
+          <p:nvPr/>
+        </p:nvSpPr>
+        <p:spPr>
+          <a:xfrm>
+            <a:off x="997893" y="263850"/>
+            <a:ext cx="3199530" cy="461665"/>
+          </a:xfrm>
+          <a:prstGeom prst="rect">
+            <a:avLst/>
+          </a:prstGeom>
+        </p:spPr>
+        <p:txBody>
+          <a:bodyPr wrap="none">
+            <a:spAutoFit/>
+          </a:bodyPr>
+          <a:lstStyle/>
+          <a:p>
+            <a:r>
+              <a:rPr lang="en-US" altLang="ko-KR" sz="2400" dirty="0"/>
+              <a:t>012.autoplay_chk.png</a:t>
+            </a:r>
+            <a:endParaRPr lang="ko-KR" altLang="en-US" sz="2400" dirty="0"/>
+          </a:p>
+        </p:txBody>
+      </p:sp>
+      <p:pic>
+        <p:nvPicPr>
+          <p:cNvPr id="5" name="Picture 4">
+            <a:extLst>
+              <a:ext uri="{FF2B5EF4-FFF2-40B4-BE49-F238E27FC236}">
+                <a16:creationId xmlns:a16="http://schemas.microsoft.com/office/drawing/2014/main" id="{D47D897A-8B52-4425-9000-C73B80B22739}"/>
+              </a:ext>
+            </a:extLst>
+          </p:cNvPr>
+          <p:cNvPicPr>
+            <a:picLocks noChangeAspect="1"/>
+          </p:cNvPicPr>
+          <p:nvPr/>
+        </p:nvPicPr>
+        <p:blipFill>
+          <a:blip r:embed="rId2"/>
+          <a:stretch>
+            <a:fillRect/>
+          </a:stretch>
+        </p:blipFill>
+        <p:spPr>
+          <a:xfrm>
+            <a:off x="4350899" y="2719387"/>
+            <a:ext cx="2381250" cy="1419225"/>
+          </a:xfrm>
+          <a:prstGeom prst="rect">
+            <a:avLst/>
+          </a:prstGeom>
+          <a:ln>
+            <a:solidFill>
+              <a:schemeClr val="bg1">
+                <a:lumMod val="65000"/>
+              </a:schemeClr>
+            </a:solidFill>
+          </a:ln>
+        </p:spPr>
+      </p:pic>
+    </p:spTree>
+    <p:extLst>
+      <p:ext uri="{BB962C8B-B14F-4D97-AF65-F5344CB8AC3E}">
+        <p14:creationId xmlns:p14="http://schemas.microsoft.com/office/powerpoint/2010/main" val="3306487931"/>
+      </p:ext>
+    </p:extLst>
+  </p:cSld>
+  <p:clrMapOvr>
+    <a:masterClrMapping/>
+  </p:clrMapOvr>
+</p:sld>
+</file>
+
+<file path=ppt/slides/slide28.xml><?xml version="1.0" encoding="utf-8"?>
+<p:sld xmlns:a="http://schemas.openxmlformats.org/drawingml/2006/main" xmlns:r="http://schemas.openxmlformats.org/officeDocument/2006/relationships" xmlns:p="http://schemas.openxmlformats.org/presentationml/2006/main">
+  <p:cSld>
+    <p:spTree>
+      <p:nvGrpSpPr>
+        <p:cNvPr id="1" name=""/>
+        <p:cNvGrpSpPr/>
+        <p:nvPr/>
+      </p:nvGrpSpPr>
+      <p:grpSpPr>
+        <a:xfrm>
+          <a:off x="0" y="0"/>
+          <a:ext cx="0" cy="0"/>
+          <a:chOff x="0" y="0"/>
+          <a:chExt cx="0" cy="0"/>
+        </a:xfrm>
+      </p:grpSpPr>
+      <p:pic>
+        <p:nvPicPr>
+          <p:cNvPr id="4" name="Picture 3">
+            <a:extLst>
+              <a:ext uri="{FF2B5EF4-FFF2-40B4-BE49-F238E27FC236}">
+                <a16:creationId xmlns:a16="http://schemas.microsoft.com/office/drawing/2014/main" id="{9F24579C-A1E3-4CAC-8F6E-5B872C469460}"/>
+              </a:ext>
+            </a:extLst>
+          </p:cNvPr>
+          <p:cNvPicPr>
+            <a:picLocks noChangeAspect="1"/>
+          </p:cNvPicPr>
+          <p:nvPr/>
+        </p:nvPicPr>
+        <p:blipFill>
+          <a:blip r:embed="rId2"/>
+          <a:stretch>
+            <a:fillRect/>
+          </a:stretch>
+        </p:blipFill>
+        <p:spPr>
+          <a:xfrm>
+            <a:off x="350196" y="668299"/>
+            <a:ext cx="11281851" cy="5703317"/>
+          </a:xfrm>
+          <a:prstGeom prst="rect">
+            <a:avLst/>
+          </a:prstGeom>
+          <a:ln>
+            <a:solidFill>
+              <a:schemeClr val="bg1">
+                <a:lumMod val="65000"/>
+              </a:schemeClr>
+            </a:solidFill>
+          </a:ln>
+        </p:spPr>
+      </p:pic>
+      <p:sp>
+        <p:nvSpPr>
+          <p:cNvPr id="5" name="Rectangle 4">
+            <a:extLst>
+              <a:ext uri="{FF2B5EF4-FFF2-40B4-BE49-F238E27FC236}">
+                <a16:creationId xmlns:a16="http://schemas.microsoft.com/office/drawing/2014/main" id="{31F1F36D-A8DE-421F-A5D7-5484AF6FD3A3}"/>
+              </a:ext>
+            </a:extLst>
+          </p:cNvPr>
+          <p:cNvSpPr/>
+          <p:nvPr/>
+        </p:nvSpPr>
+        <p:spPr>
+          <a:xfrm>
+            <a:off x="997893" y="263850"/>
+            <a:ext cx="3011209" cy="461665"/>
+          </a:xfrm>
+          <a:prstGeom prst="rect">
+            <a:avLst/>
+          </a:prstGeom>
+        </p:spPr>
+        <p:txBody>
+          <a:bodyPr wrap="none">
+            <a:spAutoFit/>
+          </a:bodyPr>
+          <a:lstStyle/>
+          <a:p>
+            <a:r>
+              <a:rPr lang="en-US" altLang="ko-KR" sz="2400" dirty="0"/>
+              <a:t>013.good_result.png</a:t>
+            </a:r>
+            <a:endParaRPr lang="ko-KR" altLang="en-US" sz="2400" dirty="0"/>
+          </a:p>
+        </p:txBody>
+      </p:sp>
+    </p:spTree>
+    <p:extLst>
+      <p:ext uri="{BB962C8B-B14F-4D97-AF65-F5344CB8AC3E}">
+        <p14:creationId xmlns:p14="http://schemas.microsoft.com/office/powerpoint/2010/main" val="2423211700"/>
+      </p:ext>
+    </p:extLst>
+  </p:cSld>
+  <p:clrMapOvr>
+    <a:masterClrMapping/>
+  </p:clrMapOvr>
+</p:sld>
+</file>
+
+<file path=ppt/slides/slide3.xml><?xml version="1.0" encoding="utf-8"?>
+<p:sld xmlns:a="http://schemas.openxmlformats.org/drawingml/2006/main" xmlns:r="http://schemas.openxmlformats.org/officeDocument/2006/relationships" xmlns:p="http://schemas.openxmlformats.org/presentationml/2006/main">
+  <p:cSld>
+    <p:spTree>
+      <p:nvGrpSpPr>
+        <p:cNvPr id="1" name=""/>
+        <p:cNvGrpSpPr/>
+        <p:nvPr/>
+      </p:nvGrpSpPr>
+      <p:grpSpPr>
+        <a:xfrm>
+          <a:off x="0" y="0"/>
+          <a:ext cx="0" cy="0"/>
+          <a:chOff x="0" y="0"/>
+          <a:chExt cx="0" cy="0"/>
+        </a:xfrm>
+      </p:grpSpPr>
+      <p:pic>
+        <p:nvPicPr>
+          <p:cNvPr id="4" name="Picture 3">
+            <a:extLst>
+              <a:ext uri="{FF2B5EF4-FFF2-40B4-BE49-F238E27FC236}">
+                <a16:creationId xmlns:a16="http://schemas.microsoft.com/office/drawing/2014/main" id="{4D7C0A8E-A801-4442-A134-79FA7C554EF5}"/>
+              </a:ext>
+            </a:extLst>
+          </p:cNvPr>
+          <p:cNvPicPr>
+            <a:picLocks noChangeAspect="1"/>
+          </p:cNvPicPr>
+          <p:nvPr/>
+        </p:nvPicPr>
+        <p:blipFill>
+          <a:blip r:embed="rId2"/>
+          <a:stretch>
+            <a:fillRect/>
+          </a:stretch>
+        </p:blipFill>
+        <p:spPr>
+          <a:xfrm>
+            <a:off x="0" y="550634"/>
+            <a:ext cx="12192000" cy="5974845"/>
+          </a:xfrm>
+          <a:prstGeom prst="rect">
+            <a:avLst/>
+          </a:prstGeom>
+        </p:spPr>
+      </p:pic>
+      <p:sp>
+        <p:nvSpPr>
+          <p:cNvPr id="5" name="직사각형 6">
+            <a:extLst>
+              <a:ext uri="{FF2B5EF4-FFF2-40B4-BE49-F238E27FC236}">
+                <a16:creationId xmlns:a16="http://schemas.microsoft.com/office/drawing/2014/main" id="{370984B1-A95A-48FB-9FDE-6D8A79F67437}"/>
+              </a:ext>
+            </a:extLst>
+          </p:cNvPr>
+          <p:cNvSpPr/>
+          <p:nvPr/>
+        </p:nvSpPr>
+        <p:spPr>
+          <a:xfrm>
+            <a:off x="940407" y="954426"/>
+            <a:ext cx="242441" cy="220033"/>
+          </a:xfrm>
+          <a:prstGeom prst="rect">
+            <a:avLst/>
+          </a:prstGeom>
+          <a:noFill/>
+          <a:ln w="19050">
+            <a:solidFill>
+              <a:schemeClr val="accent2"/>
+            </a:solidFill>
+          </a:ln>
+        </p:spPr>
+        <p:style>
+          <a:lnRef idx="2">
+            <a:schemeClr val="accent1">
+              <a:shade val="50000"/>
+            </a:schemeClr>
+          </a:lnRef>
+          <a:fillRef idx="1">
+            <a:schemeClr val="accent1"/>
+          </a:fillRef>
+          <a:effectRef idx="0">
+            <a:schemeClr val="accent1"/>
+          </a:effectRef>
+          <a:fontRef idx="minor">
+            <a:schemeClr val="lt1"/>
+          </a:fontRef>
+        </p:style>
+        <p:txBody>
+          <a:bodyPr rtlCol="0" anchor="ctr"/>
+          <a:lstStyle/>
+          <a:p>
+            <a:pPr algn="ctr"/>
+            <a:endParaRPr lang="ko-KR" altLang="en-US"/>
+          </a:p>
+        </p:txBody>
+      </p:sp>
       <p:sp>
         <p:nvSpPr>
           <p:cNvPr id="7" name="Rectangle 6">
@@ -4468,109 +6311,88 @@
           </a:p>
         </p:txBody>
       </p:sp>
-      <p:grpSp>
-        <p:nvGrpSpPr>
-          <p:cNvPr id="8" name="Group 7">
-            <a:extLst>
-              <a:ext uri="{FF2B5EF4-FFF2-40B4-BE49-F238E27FC236}">
-                <a16:creationId xmlns:a16="http://schemas.microsoft.com/office/drawing/2014/main" id="{4DCA587C-D02F-4421-80E0-7EEEB5D7DC57}"/>
-              </a:ext>
-            </a:extLst>
-          </p:cNvPr>
-          <p:cNvGrpSpPr/>
+      <p:pic>
+        <p:nvPicPr>
+          <p:cNvPr id="7" name="Picture 6">
+            <a:extLst>
+              <a:ext uri="{FF2B5EF4-FFF2-40B4-BE49-F238E27FC236}">
+                <a16:creationId xmlns:a16="http://schemas.microsoft.com/office/drawing/2014/main" id="{3F4EBCF3-6AA2-4856-9188-5C88B4E20350}"/>
+              </a:ext>
+            </a:extLst>
+          </p:cNvPr>
+          <p:cNvPicPr>
+            <a:picLocks noChangeAspect="1"/>
+          </p:cNvPicPr>
           <p:nvPr/>
-        </p:nvGrpSpPr>
-        <p:grpSpPr>
+        </p:nvPicPr>
+        <p:blipFill>
+          <a:blip r:embed="rId2"/>
+          <a:stretch>
+            <a:fillRect/>
+          </a:stretch>
+        </p:blipFill>
+        <p:spPr>
           <a:xfrm>
             <a:off x="4295867" y="2407641"/>
             <a:ext cx="2286000" cy="1143000"/>
-            <a:chOff x="4295867" y="2407641"/>
-            <a:chExt cx="2286000" cy="1143000"/>
-          </a:xfrm>
-        </p:grpSpPr>
-        <p:pic>
-          <p:nvPicPr>
-            <p:cNvPr id="7" name="Picture 6">
-              <a:extLst>
-                <a:ext uri="{FF2B5EF4-FFF2-40B4-BE49-F238E27FC236}">
-                  <a16:creationId xmlns:a16="http://schemas.microsoft.com/office/drawing/2014/main" id="{3F4EBCF3-6AA2-4856-9188-5C88B4E20350}"/>
-                </a:ext>
-              </a:extLst>
-            </p:cNvPr>
-            <p:cNvPicPr>
-              <a:picLocks noChangeAspect="1"/>
-            </p:cNvPicPr>
-            <p:nvPr/>
-          </p:nvPicPr>
-          <p:blipFill>
-            <a:blip r:embed="rId2"/>
-            <a:stretch>
-              <a:fillRect/>
-            </a:stretch>
-          </p:blipFill>
-          <p:spPr>
-            <a:xfrm>
-              <a:off x="4295867" y="2407641"/>
-              <a:ext cx="2286000" cy="1143000"/>
-            </a:xfrm>
-            <a:prstGeom prst="rect">
-              <a:avLst/>
-            </a:prstGeom>
-          </p:spPr>
-        </p:pic>
-        <p:sp>
-          <p:nvSpPr>
-            <p:cNvPr id="6" name="직사각형 6">
-              <a:extLst>
-                <a:ext uri="{FF2B5EF4-FFF2-40B4-BE49-F238E27FC236}">
-                  <a16:creationId xmlns:a16="http://schemas.microsoft.com/office/drawing/2014/main" id="{8317BF12-C639-451E-A506-D58F6DFE0967}"/>
-                </a:ext>
-              </a:extLst>
-            </p:cNvPr>
-            <p:cNvSpPr/>
-            <p:nvPr/>
-          </p:nvSpPr>
-          <p:spPr>
-            <a:xfrm>
-              <a:off x="4622330" y="2483143"/>
-              <a:ext cx="713068" cy="209724"/>
-            </a:xfrm>
-            <a:prstGeom prst="rect">
-              <a:avLst/>
-            </a:prstGeom>
-            <a:noFill/>
-            <a:ln w="19050">
-              <a:solidFill>
-                <a:schemeClr val="accent2"/>
-              </a:solidFill>
-            </a:ln>
-          </p:spPr>
-          <p:style>
-            <a:lnRef idx="2">
-              <a:schemeClr val="accent1">
-                <a:shade val="50000"/>
-              </a:schemeClr>
-            </a:lnRef>
-            <a:fillRef idx="1">
-              <a:schemeClr val="accent1"/>
-            </a:fillRef>
-            <a:effectRef idx="0">
-              <a:schemeClr val="accent1"/>
-            </a:effectRef>
-            <a:fontRef idx="minor">
-              <a:schemeClr val="lt1"/>
-            </a:fontRef>
-          </p:style>
-          <p:txBody>
-            <a:bodyPr rtlCol="0" anchor="ctr"/>
-            <a:lstStyle/>
-            <a:p>
-              <a:pPr algn="ctr"/>
-              <a:endParaRPr lang="ko-KR" altLang="en-US"/>
-            </a:p>
-          </p:txBody>
-        </p:sp>
-      </p:grpSp>
+          </a:xfrm>
+          <a:prstGeom prst="rect">
+            <a:avLst/>
+          </a:prstGeom>
+        </p:spPr>
+      </p:pic>
+      <p:sp>
+        <p:nvSpPr>
+          <p:cNvPr id="6" name="직사각형 6">
+            <a:extLst>
+              <a:ext uri="{FF2B5EF4-FFF2-40B4-BE49-F238E27FC236}">
+                <a16:creationId xmlns:a16="http://schemas.microsoft.com/office/drawing/2014/main" id="{8317BF12-C639-451E-A506-D58F6DFE0967}"/>
+              </a:ext>
+            </a:extLst>
+          </p:cNvPr>
+          <p:cNvSpPr/>
+          <p:nvPr/>
+        </p:nvSpPr>
+        <p:spPr>
+          <a:xfrm>
+            <a:off x="4622330" y="2483143"/>
+            <a:ext cx="713068" cy="209724"/>
+          </a:xfrm>
+          <a:prstGeom prst="rect">
+            <a:avLst/>
+          </a:prstGeom>
+          <a:noFill/>
+          <a:ln w="19050">
+            <a:solidFill>
+              <a:schemeClr val="accent2"/>
+            </a:solidFill>
+          </a:ln>
+        </p:spPr>
+        <p:style>
+          <a:lnRef idx="2">
+            <a:schemeClr val="accent1">
+              <a:shade val="50000"/>
+            </a:schemeClr>
+          </a:lnRef>
+          <a:fillRef idx="1">
+            <a:schemeClr val="accent1"/>
+          </a:fillRef>
+          <a:effectRef idx="0">
+            <a:schemeClr val="accent1"/>
+          </a:effectRef>
+          <a:fontRef idx="minor">
+            <a:schemeClr val="lt1"/>
+          </a:fontRef>
+        </p:style>
+        <p:txBody>
+          <a:bodyPr rtlCol="0" anchor="ctr"/>
+          <a:lstStyle/>
+          <a:p>
+            <a:pPr algn="ctr"/>
+            <a:endParaRPr lang="ko-KR" altLang="en-US"/>
+          </a:p>
+        </p:txBody>
+      </p:sp>
     </p:spTree>
     <p:extLst>
       <p:ext uri="{BB962C8B-B14F-4D97-AF65-F5344CB8AC3E}">
